--- a/Documentation/Presentation1.pptx
+++ b/Documentation/Presentation1.pptx
@@ -5,22 +5,26 @@
     <p:sldMasterId id="2147483648" r:id="rId1"/>
   </p:sldMasterIdLst>
   <p:sldIdLst>
-    <p:sldId id="256" r:id="rId2"/>
-    <p:sldId id="257" r:id="rId3"/>
-    <p:sldId id="263" r:id="rId4"/>
-    <p:sldId id="267" r:id="rId5"/>
-    <p:sldId id="268" r:id="rId6"/>
-    <p:sldId id="269" r:id="rId7"/>
-    <p:sldId id="264" r:id="rId8"/>
-    <p:sldId id="265" r:id="rId9"/>
-    <p:sldId id="270" r:id="rId10"/>
-    <p:sldId id="271" r:id="rId11"/>
-    <p:sldId id="258" r:id="rId12"/>
-    <p:sldId id="259" r:id="rId13"/>
-    <p:sldId id="260" r:id="rId14"/>
-    <p:sldId id="261" r:id="rId15"/>
-    <p:sldId id="262" r:id="rId16"/>
-    <p:sldId id="266" r:id="rId17"/>
+    <p:sldId id="274" r:id="rId2"/>
+    <p:sldId id="264" r:id="rId3"/>
+    <p:sldId id="265" r:id="rId4"/>
+    <p:sldId id="256" r:id="rId5"/>
+    <p:sldId id="257" r:id="rId6"/>
+    <p:sldId id="268" r:id="rId7"/>
+    <p:sldId id="267" r:id="rId8"/>
+    <p:sldId id="263" r:id="rId9"/>
+    <p:sldId id="262" r:id="rId10"/>
+    <p:sldId id="275" r:id="rId11"/>
+    <p:sldId id="269" r:id="rId12"/>
+    <p:sldId id="270" r:id="rId13"/>
+    <p:sldId id="271" r:id="rId14"/>
+    <p:sldId id="258" r:id="rId15"/>
+    <p:sldId id="259" r:id="rId16"/>
+    <p:sldId id="260" r:id="rId17"/>
+    <p:sldId id="261" r:id="rId18"/>
+    <p:sldId id="266" r:id="rId19"/>
+    <p:sldId id="272" r:id="rId20"/>
+    <p:sldId id="273" r:id="rId21"/>
   </p:sldIdLst>
   <p:sldSz cx="12192000" cy="6858000"/>
   <p:notesSz cx="6858000" cy="9144000"/>
@@ -120,6 +124,58 @@
     </a:lvl9pPr>
   </p:defaultTextStyle>
   <p:extLst>
+    <p:ext uri="{521415D9-36F7-43E2-AB2F-B90AF26B5E84}">
+      <p14:sectionLst xmlns:p14="http://schemas.microsoft.com/office/powerpoint/2010/main">
+        <p14:section name="Default Section" id="{77AD5AE9-6CDA-4F5E-880A-2A3FFD5F9197}">
+          <p14:sldIdLst>
+            <p14:sldId id="274"/>
+          </p14:sldIdLst>
+        </p14:section>
+        <p14:section name="Installer" id="{E0C64E6A-D0AB-426B-994C-7834EE6BF0E9}">
+          <p14:sldIdLst>
+            <p14:sldId id="264"/>
+            <p14:sldId id="265"/>
+          </p14:sldIdLst>
+        </p14:section>
+        <p14:section name="Wise" id="{CA2330A7-169D-4593-88D8-6CDDD1B460AC}">
+          <p14:sldIdLst>
+            <p14:sldId id="256"/>
+            <p14:sldId id="257"/>
+          </p14:sldIdLst>
+        </p14:section>
+        <p14:section name="Inno Setup" id="{A1D96AFB-A724-418D-A881-7DB9FC05605A}">
+          <p14:sldIdLst>
+            <p14:sldId id="268"/>
+            <p14:sldId id="267"/>
+            <p14:sldId id="263"/>
+          </p14:sldIdLst>
+        </p14:section>
+        <p14:section name="Modularisation" id="{EFFB5DD4-A24D-4A52-8DAB-8E20308E4D05}">
+          <p14:sldIdLst>
+            <p14:sldId id="262"/>
+            <p14:sldId id="275"/>
+          </p14:sldIdLst>
+        </p14:section>
+        <p14:section name="Technical Challenges" id="{66A25240-321A-414F-9BA8-CC776AEA3306}">
+          <p14:sldIdLst>
+            <p14:sldId id="269"/>
+            <p14:sldId id="270"/>
+            <p14:sldId id="271"/>
+            <p14:sldId id="258"/>
+            <p14:sldId id="259"/>
+            <p14:sldId id="260"/>
+            <p14:sldId id="261"/>
+          </p14:sldIdLst>
+        </p14:section>
+        <p14:section name="Testing" id="{C411BB2C-7DDF-4E5A-9D8B-049F1BB9FB86}">
+          <p14:sldIdLst>
+            <p14:sldId id="266"/>
+            <p14:sldId id="272"/>
+            <p14:sldId id="273"/>
+          </p14:sldIdLst>
+        </p14:section>
+      </p14:sectionLst>
+    </p:ext>
     <p:ext uri="{EFAFB233-063F-42B5-8137-9DF3F51BA10A}">
       <p15:sldGuideLst xmlns:p15="http://schemas.microsoft.com/office/powerpoint/2012/main"/>
     </p:ext>
@@ -129,7 +185,7 @@
 
 <file path=ppt/commentAuthors.xml><?xml version="1.0" encoding="utf-8"?>
 <p:cmAuthorLst xmlns:a="http://schemas.openxmlformats.org/drawingml/2006/main" xmlns:r="http://schemas.openxmlformats.org/officeDocument/2006/relationships" xmlns:p="http://schemas.openxmlformats.org/presentationml/2006/main">
-  <p:cmAuthor id="1" name="Copeland, Jacob" initials="CJ" lastIdx="17" clrIdx="0">
+  <p:cmAuthor id="1" name="Copeland, Jacob" initials="CJ" lastIdx="19" clrIdx="0">
     <p:extLst>
       <p:ext uri="{19B8F6BF-5375-455C-9EA6-DF929625EA0E}">
         <p15:presenceInfo xmlns:p15="http://schemas.microsoft.com/office/powerpoint/2012/main" userId="Copeland, Jacob" providerId="None"/>
@@ -141,9 +197,9 @@
 
 <file path=ppt/comments/comment1.xml><?xml version="1.0" encoding="utf-8"?>
 <p:cmLst xmlns:a="http://schemas.openxmlformats.org/drawingml/2006/main" xmlns:r="http://schemas.openxmlformats.org/officeDocument/2006/relationships" xmlns:p="http://schemas.openxmlformats.org/presentationml/2006/main">
-  <p:cm authorId="1" dt="2019-10-11T11:16:49.721" idx="1">
+  <p:cm authorId="1" dt="2019-10-11T11:18:01.177" idx="5">
     <p:pos x="10" y="10"/>
-    <p:text>What Wise looks like</p:text>
+    <p:text>Wise wizard</p:text>
     <p:extLst>
       <p:ext uri="{C676402C-5697-4E1C-873F-D02D1690AC5C}">
         <p15:threadingInfo xmlns:p15="http://schemas.microsoft.com/office/powerpoint/2012/main" timeZoneBias="-780"/>
@@ -154,6 +210,20 @@
 </file>
 
 <file path=ppt/comments/comment10.xml><?xml version="1.0" encoding="utf-8"?>
+<p:cmLst xmlns:a="http://schemas.openxmlformats.org/drawingml/2006/main" xmlns:r="http://schemas.openxmlformats.org/officeDocument/2006/relationships" xmlns:p="http://schemas.openxmlformats.org/presentationml/2006/main">
+  <p:cm authorId="1" dt="2019-10-13T15:01:10.347" idx="16">
+    <p:pos x="10" y="10"/>
+    <p:text>psrvr = pump server</p:text>
+    <p:extLst>
+      <p:ext uri="{C676402C-5697-4E1C-873F-D02D1690AC5C}">
+        <p15:threadingInfo xmlns:p15="http://schemas.microsoft.com/office/powerpoint/2012/main" timeZoneBias="-780"/>
+      </p:ext>
+    </p:extLst>
+  </p:cm>
+</p:cmLst>
+</file>
+
+<file path=ppt/comments/comment11.xml><?xml version="1.0" encoding="utf-8"?>
 <p:cmLst xmlns:a="http://schemas.openxmlformats.org/drawingml/2006/main" xmlns:r="http://schemas.openxmlformats.org/officeDocument/2006/relationships" xmlns:p="http://schemas.openxmlformats.org/presentationml/2006/main">
   <p:cm authorId="1" dt="2019-10-13T15:01:16.595" idx="17">
     <p:pos x="10" y="10"/>
@@ -167,7 +237,7 @@
 </p:cmLst>
 </file>
 
-<file path=ppt/comments/comment11.xml><?xml version="1.0" encoding="utf-8"?>
+<file path=ppt/comments/comment12.xml><?xml version="1.0" encoding="utf-8"?>
 <p:cmLst xmlns:a="http://schemas.openxmlformats.org/drawingml/2006/main" xmlns:r="http://schemas.openxmlformats.org/officeDocument/2006/relationships" xmlns:p="http://schemas.openxmlformats.org/presentationml/2006/main">
   <p:cm authorId="1" dt="2019-10-11T11:18:11.529" idx="7">
     <p:pos x="10" y="10"/>
@@ -181,7 +251,7 @@
 </p:cmLst>
 </file>
 
-<file path=ppt/comments/comment12.xml><?xml version="1.0" encoding="utf-8"?>
+<file path=ppt/comments/comment13.xml><?xml version="1.0" encoding="utf-8"?>
 <p:cmLst xmlns:a="http://schemas.openxmlformats.org/drawingml/2006/main" xmlns:r="http://schemas.openxmlformats.org/officeDocument/2006/relationships" xmlns:p="http://schemas.openxmlformats.org/presentationml/2006/main">
   <p:cm authorId="1" dt="2019-10-11T11:18:24.969" idx="8">
     <p:pos x="10" y="10"/>
@@ -195,7 +265,7 @@
 </p:cmLst>
 </file>
 
-<file path=ppt/comments/comment13.xml><?xml version="1.0" encoding="utf-8"?>
+<file path=ppt/comments/comment14.xml><?xml version="1.0" encoding="utf-8"?>
 <p:cmLst xmlns:a="http://schemas.openxmlformats.org/drawingml/2006/main" xmlns:r="http://schemas.openxmlformats.org/officeDocument/2006/relationships" xmlns:p="http://schemas.openxmlformats.org/presentationml/2006/main">
   <p:cm authorId="1" dt="2019-10-11T11:18:38.082" idx="9">
     <p:pos x="10" y="10"/>
@@ -209,25 +279,11 @@
 </p:cmLst>
 </file>
 
-<file path=ppt/comments/comment14.xml><?xml version="1.0" encoding="utf-8"?>
+<file path=ppt/comments/comment15.xml><?xml version="1.0" encoding="utf-8"?>
 <p:cmLst xmlns:a="http://schemas.openxmlformats.org/drawingml/2006/main" xmlns:r="http://schemas.openxmlformats.org/officeDocument/2006/relationships" xmlns:p="http://schemas.openxmlformats.org/presentationml/2006/main">
   <p:cm authorId="1" dt="2019-10-11T11:18:56.072" idx="10">
     <p:pos x="10" y="10"/>
     <p:text>Problem of read INI value, .wse is helpful</p:text>
-    <p:extLst>
-      <p:ext uri="{C676402C-5697-4E1C-873F-D02D1690AC5C}">
-        <p15:threadingInfo xmlns:p15="http://schemas.microsoft.com/office/powerpoint/2012/main" timeZoneBias="-780"/>
-      </p:ext>
-    </p:extLst>
-  </p:cm>
-</p:cmLst>
-</file>
-
-<file path=ppt/comments/comment15.xml><?xml version="1.0" encoding="utf-8"?>
-<p:cmLst xmlns:a="http://schemas.openxmlformats.org/drawingml/2006/main" xmlns:r="http://schemas.openxmlformats.org/officeDocument/2006/relationships" xmlns:p="http://schemas.openxmlformats.org/presentationml/2006/main">
-  <p:cm authorId="1" dt="2019-10-11T11:19:15.002" idx="12">
-    <p:pos x="146" y="146"/>
-    <p:text>A single module</p:text>
     <p:extLst>
       <p:ext uri="{C676402C-5697-4E1C-873F-D02D1690AC5C}">
         <p15:threadingInfo xmlns:p15="http://schemas.microsoft.com/office/powerpoint/2012/main" timeZoneBias="-780"/>
@@ -251,11 +307,39 @@
 </p:cmLst>
 </file>
 
+<file path=ppt/comments/comment17.xml><?xml version="1.0" encoding="utf-8"?>
+<p:cmLst xmlns:a="http://schemas.openxmlformats.org/drawingml/2006/main" xmlns:r="http://schemas.openxmlformats.org/officeDocument/2006/relationships" xmlns:p="http://schemas.openxmlformats.org/presentationml/2006/main">
+  <p:cm authorId="1" dt="2019-10-14T11:39:17.848" idx="18">
+    <p:pos x="10" y="10"/>
+    <p:text>Batch file</p:text>
+    <p:extLst>
+      <p:ext uri="{C676402C-5697-4E1C-873F-D02D1690AC5C}">
+        <p15:threadingInfo xmlns:p15="http://schemas.microsoft.com/office/powerpoint/2012/main" timeZoneBias="-780"/>
+      </p:ext>
+    </p:extLst>
+  </p:cm>
+</p:cmLst>
+</file>
+
+<file path=ppt/comments/comment18.xml><?xml version="1.0" encoding="utf-8"?>
+<p:cmLst xmlns:a="http://schemas.openxmlformats.org/drawingml/2006/main" xmlns:r="http://schemas.openxmlformats.org/officeDocument/2006/relationships" xmlns:p="http://schemas.openxmlformats.org/presentationml/2006/main">
+  <p:cm authorId="1" dt="2019-10-14T11:40:03.899" idx="19">
+    <p:pos x="6696" y="297"/>
+    <p:text>.exe file</p:text>
+    <p:extLst>
+      <p:ext uri="{C676402C-5697-4E1C-873F-D02D1690AC5C}">
+        <p15:threadingInfo xmlns:p15="http://schemas.microsoft.com/office/powerpoint/2012/main" timeZoneBias="-780"/>
+      </p:ext>
+    </p:extLst>
+  </p:cm>
+</p:cmLst>
+</file>
+
 <file path=ppt/comments/comment2.xml><?xml version="1.0" encoding="utf-8"?>
 <p:cmLst xmlns:a="http://schemas.openxmlformats.org/drawingml/2006/main" xmlns:r="http://schemas.openxmlformats.org/officeDocument/2006/relationships" xmlns:p="http://schemas.openxmlformats.org/presentationml/2006/main">
-  <p:cm authorId="1" dt="2019-10-11T11:16:58.402" idx="2">
+  <p:cm authorId="1" dt="2019-10-11T11:18:05.943" idx="6">
     <p:pos x="10" y="10"/>
-    <p:text>What .wse looks like - 14500 lines</p:text>
+    <p:text>Inno wizard</p:text>
     <p:extLst>
       <p:ext uri="{C676402C-5697-4E1C-873F-D02D1690AC5C}">
         <p15:threadingInfo xmlns:p15="http://schemas.microsoft.com/office/powerpoint/2012/main" timeZoneBias="-780"/>
@@ -267,9 +351,9 @@
 
 <file path=ppt/comments/comment3.xml><?xml version="1.0" encoding="utf-8"?>
 <p:cmLst xmlns:a="http://schemas.openxmlformats.org/drawingml/2006/main" xmlns:r="http://schemas.openxmlformats.org/officeDocument/2006/relationships" xmlns:p="http://schemas.openxmlformats.org/presentationml/2006/main">
-  <p:cm authorId="1" dt="2019-10-11T11:17:40.880" idx="3">
+  <p:cm authorId="1" dt="2019-10-11T11:16:49.721" idx="1">
     <p:pos x="10" y="10"/>
-    <p:text>What inno looks like - a custom function</p:text>
+    <p:text>What Wise looks like</p:text>
     <p:extLst>
       <p:ext uri="{C676402C-5697-4E1C-873F-D02D1690AC5C}">
         <p15:threadingInfo xmlns:p15="http://schemas.microsoft.com/office/powerpoint/2012/main" timeZoneBias="-780"/>
@@ -281,9 +365,9 @@
 
 <file path=ppt/comments/comment4.xml><?xml version="1.0" encoding="utf-8"?>
 <p:cmLst xmlns:a="http://schemas.openxmlformats.org/drawingml/2006/main" xmlns:r="http://schemas.openxmlformats.org/officeDocument/2006/relationships" xmlns:p="http://schemas.openxmlformats.org/presentationml/2006/main">
-  <p:cm authorId="1" dt="2019-10-11T11:17:51.074" idx="4">
+  <p:cm authorId="1" dt="2019-10-11T11:16:58.402" idx="2">
     <p:pos x="10" y="10"/>
-    <p:text>What inno looks like - file installation</p:text>
+    <p:text>What .wse looks like - 14500 lines</p:text>
     <p:extLst>
       <p:ext uri="{C676402C-5697-4E1C-873F-D02D1690AC5C}">
         <p15:threadingInfo xmlns:p15="http://schemas.microsoft.com/office/powerpoint/2012/main" timeZoneBias="-780"/>
@@ -309,9 +393,9 @@
 
 <file path=ppt/comments/comment6.xml><?xml version="1.0" encoding="utf-8"?>
 <p:cmLst xmlns:a="http://schemas.openxmlformats.org/drawingml/2006/main" xmlns:r="http://schemas.openxmlformats.org/officeDocument/2006/relationships" xmlns:p="http://schemas.openxmlformats.org/presentationml/2006/main">
-  <p:cm authorId="1" dt="2019-10-13T15:00:57.213" idx="15">
+  <p:cm authorId="1" dt="2019-10-11T11:17:51.074" idx="4">
     <p:pos x="10" y="10"/>
-    <p:text>Exec statements</p:text>
+    <p:text>What inno looks like - file installation</p:text>
     <p:extLst>
       <p:ext uri="{C676402C-5697-4E1C-873F-D02D1690AC5C}">
         <p15:threadingInfo xmlns:p15="http://schemas.microsoft.com/office/powerpoint/2012/main" timeZoneBias="-780"/>
@@ -323,9 +407,9 @@
 
 <file path=ppt/comments/comment7.xml><?xml version="1.0" encoding="utf-8"?>
 <p:cmLst xmlns:a="http://schemas.openxmlformats.org/drawingml/2006/main" xmlns:r="http://schemas.openxmlformats.org/officeDocument/2006/relationships" xmlns:p="http://schemas.openxmlformats.org/presentationml/2006/main">
-  <p:cm authorId="1" dt="2019-10-11T11:18:01.177" idx="5">
+  <p:cm authorId="1" dt="2019-10-11T11:17:40.880" idx="3">
     <p:pos x="10" y="10"/>
-    <p:text>Wise wizard</p:text>
+    <p:text>What inno looks like - a custom function</p:text>
     <p:extLst>
       <p:ext uri="{C676402C-5697-4E1C-873F-D02D1690AC5C}">
         <p15:threadingInfo xmlns:p15="http://schemas.microsoft.com/office/powerpoint/2012/main" timeZoneBias="-780"/>
@@ -337,9 +421,9 @@
 
 <file path=ppt/comments/comment8.xml><?xml version="1.0" encoding="utf-8"?>
 <p:cmLst xmlns:a="http://schemas.openxmlformats.org/drawingml/2006/main" xmlns:r="http://schemas.openxmlformats.org/officeDocument/2006/relationships" xmlns:p="http://schemas.openxmlformats.org/presentationml/2006/main">
-  <p:cm authorId="1" dt="2019-10-11T11:18:05.943" idx="6">
-    <p:pos x="10" y="10"/>
-    <p:text>Inno wizard</p:text>
+  <p:cm authorId="1" dt="2019-10-11T11:19:15.002" idx="12">
+    <p:pos x="146" y="146"/>
+    <p:text>A single module</p:text>
     <p:extLst>
       <p:ext uri="{C676402C-5697-4E1C-873F-D02D1690AC5C}">
         <p15:threadingInfo xmlns:p15="http://schemas.microsoft.com/office/powerpoint/2012/main" timeZoneBias="-780"/>
@@ -351,9 +435,9 @@
 
 <file path=ppt/comments/comment9.xml><?xml version="1.0" encoding="utf-8"?>
 <p:cmLst xmlns:a="http://schemas.openxmlformats.org/drawingml/2006/main" xmlns:r="http://schemas.openxmlformats.org/officeDocument/2006/relationships" xmlns:p="http://schemas.openxmlformats.org/presentationml/2006/main">
-  <p:cm authorId="1" dt="2019-10-13T15:01:10.347" idx="16">
+  <p:cm authorId="1" dt="2019-10-13T15:00:57.213" idx="15">
     <p:pos x="10" y="10"/>
-    <p:text>start service</p:text>
+    <p:text>Exec statements</p:text>
     <p:extLst>
       <p:ext uri="{C676402C-5697-4E1C-873F-D02D1690AC5C}">
         <p15:threadingInfo xmlns:p15="http://schemas.microsoft.com/office/powerpoint/2012/main" timeZoneBias="-780"/>
@@ -512,7 +596,7 @@
           <a:p>
             <a:fld id="{45FA7C38-C7B7-4D15-90A9-C75418D652F4}" type="datetimeFigureOut">
               <a:rPr lang="en-NZ" smtClean="0"/>
-              <a:t>13/10/2019</a:t>
+              <a:t>15/10/2019</a:t>
             </a:fld>
             <a:endParaRPr lang="en-NZ"/>
           </a:p>
@@ -712,7 +796,7 @@
           <a:p>
             <a:fld id="{45FA7C38-C7B7-4D15-90A9-C75418D652F4}" type="datetimeFigureOut">
               <a:rPr lang="en-NZ" smtClean="0"/>
-              <a:t>13/10/2019</a:t>
+              <a:t>15/10/2019</a:t>
             </a:fld>
             <a:endParaRPr lang="en-NZ"/>
           </a:p>
@@ -922,7 +1006,7 @@
           <a:p>
             <a:fld id="{45FA7C38-C7B7-4D15-90A9-C75418D652F4}" type="datetimeFigureOut">
               <a:rPr lang="en-NZ" smtClean="0"/>
-              <a:t>13/10/2019</a:t>
+              <a:t>15/10/2019</a:t>
             </a:fld>
             <a:endParaRPr lang="en-NZ"/>
           </a:p>
@@ -1122,7 +1206,7 @@
           <a:p>
             <a:fld id="{45FA7C38-C7B7-4D15-90A9-C75418D652F4}" type="datetimeFigureOut">
               <a:rPr lang="en-NZ" smtClean="0"/>
-              <a:t>13/10/2019</a:t>
+              <a:t>15/10/2019</a:t>
             </a:fld>
             <a:endParaRPr lang="en-NZ"/>
           </a:p>
@@ -1398,7 +1482,7 @@
           <a:p>
             <a:fld id="{45FA7C38-C7B7-4D15-90A9-C75418D652F4}" type="datetimeFigureOut">
               <a:rPr lang="en-NZ" smtClean="0"/>
-              <a:t>13/10/2019</a:t>
+              <a:t>15/10/2019</a:t>
             </a:fld>
             <a:endParaRPr lang="en-NZ"/>
           </a:p>
@@ -1666,7 +1750,7 @@
           <a:p>
             <a:fld id="{45FA7C38-C7B7-4D15-90A9-C75418D652F4}" type="datetimeFigureOut">
               <a:rPr lang="en-NZ" smtClean="0"/>
-              <a:t>13/10/2019</a:t>
+              <a:t>15/10/2019</a:t>
             </a:fld>
             <a:endParaRPr lang="en-NZ"/>
           </a:p>
@@ -2081,7 +2165,7 @@
           <a:p>
             <a:fld id="{45FA7C38-C7B7-4D15-90A9-C75418D652F4}" type="datetimeFigureOut">
               <a:rPr lang="en-NZ" smtClean="0"/>
-              <a:t>13/10/2019</a:t>
+              <a:t>15/10/2019</a:t>
             </a:fld>
             <a:endParaRPr lang="en-NZ"/>
           </a:p>
@@ -2223,7 +2307,7 @@
           <a:p>
             <a:fld id="{45FA7C38-C7B7-4D15-90A9-C75418D652F4}" type="datetimeFigureOut">
               <a:rPr lang="en-NZ" smtClean="0"/>
-              <a:t>13/10/2019</a:t>
+              <a:t>15/10/2019</a:t>
             </a:fld>
             <a:endParaRPr lang="en-NZ"/>
           </a:p>
@@ -2336,7 +2420,7 @@
           <a:p>
             <a:fld id="{45FA7C38-C7B7-4D15-90A9-C75418D652F4}" type="datetimeFigureOut">
               <a:rPr lang="en-NZ" smtClean="0"/>
-              <a:t>13/10/2019</a:t>
+              <a:t>15/10/2019</a:t>
             </a:fld>
             <a:endParaRPr lang="en-NZ"/>
           </a:p>
@@ -2649,7 +2733,7 @@
           <a:p>
             <a:fld id="{45FA7C38-C7B7-4D15-90A9-C75418D652F4}" type="datetimeFigureOut">
               <a:rPr lang="en-NZ" smtClean="0"/>
-              <a:t>13/10/2019</a:t>
+              <a:t>15/10/2019</a:t>
             </a:fld>
             <a:endParaRPr lang="en-NZ"/>
           </a:p>
@@ -2938,7 +3022,7 @@
           <a:p>
             <a:fld id="{45FA7C38-C7B7-4D15-90A9-C75418D652F4}" type="datetimeFigureOut">
               <a:rPr lang="en-NZ" smtClean="0"/>
-              <a:t>13/10/2019</a:t>
+              <a:t>15/10/2019</a:t>
             </a:fld>
             <a:endParaRPr lang="en-NZ"/>
           </a:p>
@@ -3181,7 +3265,7 @@
           <a:p>
             <a:fld id="{45FA7C38-C7B7-4D15-90A9-C75418D652F4}" type="datetimeFigureOut">
               <a:rPr lang="en-NZ" smtClean="0"/>
-              <a:t>13/10/2019</a:t>
+              <a:t>15/10/2019</a:t>
             </a:fld>
             <a:endParaRPr lang="en-NZ"/>
           </a:p>
@@ -3598,40 +3682,63 @@
           <a:chExt cx="0" cy="0"/>
         </a:xfrm>
       </p:grpSpPr>
-      <p:pic>
-        <p:nvPicPr>
-          <p:cNvPr id="4" name="Picture 3">
-            <a:extLst>
-              <a:ext uri="{FF2B5EF4-FFF2-40B4-BE49-F238E27FC236}">
-                <a16:creationId xmlns:a16="http://schemas.microsoft.com/office/drawing/2014/main" id="{7C390806-9064-4A02-8E90-B718CBED70D1}"/>
-              </a:ext>
-            </a:extLst>
-          </p:cNvPr>
-          <p:cNvPicPr>
-            <a:picLocks noChangeAspect="1"/>
-          </p:cNvPicPr>
-          <p:nvPr/>
-        </p:nvPicPr>
-        <p:blipFill>
-          <a:blip r:embed="rId2"/>
-          <a:stretch>
-            <a:fillRect/>
-          </a:stretch>
-        </p:blipFill>
-        <p:spPr>
-          <a:xfrm>
-            <a:off x="2137931" y="0"/>
-            <a:ext cx="7916137" cy="6858000"/>
-          </a:xfrm>
-          <a:prstGeom prst="rect">
-            <a:avLst/>
-          </a:prstGeom>
-        </p:spPr>
-      </p:pic>
+      <p:sp>
+        <p:nvSpPr>
+          <p:cNvPr id="2" name="Title 1">
+            <a:extLst>
+              <a:ext uri="{FF2B5EF4-FFF2-40B4-BE49-F238E27FC236}">
+                <a16:creationId xmlns:a16="http://schemas.microsoft.com/office/drawing/2014/main" id="{7F65A370-722A-4EBB-BEC4-18784EFB149B}"/>
+              </a:ext>
+            </a:extLst>
+          </p:cNvPr>
+          <p:cNvSpPr>
+            <a:spLocks noGrp="1"/>
+          </p:cNvSpPr>
+          <p:nvPr>
+            <p:ph type="ctrTitle"/>
+          </p:nvPr>
+        </p:nvSpPr>
+        <p:spPr/>
+        <p:txBody>
+          <a:bodyPr>
+            <a:normAutofit fontScale="90000"/>
+          </a:bodyPr>
+          <a:lstStyle/>
+          <a:p>
+            <a:r>
+              <a:rPr lang="en-NZ" dirty="0"/>
+              <a:t>ENABLER INSTALLER</a:t>
+            </a:r>
+            <a:br>
+              <a:rPr lang="en-NZ" dirty="0"/>
+            </a:br>
+            <a:br>
+              <a:rPr lang="en-NZ" dirty="0"/>
+            </a:br>
+            <a:r>
+              <a:rPr lang="en-NZ" sz="4400" dirty="0"/>
+              <a:t>Group 1: </a:t>
+            </a:r>
+            <a:r>
+              <a:rPr lang="en-NZ" sz="4400" dirty="0" err="1"/>
+              <a:t>Siqi</a:t>
+            </a:r>
+            <a:r>
+              <a:rPr lang="en-NZ" sz="4400" dirty="0"/>
+              <a:t> Zhao, Jamie Curnow, Jacob Copeland, Giovanni </a:t>
+            </a:r>
+            <a:r>
+              <a:rPr lang="en-NZ" sz="4400" dirty="0" err="1"/>
+              <a:t>Saberon</a:t>
+            </a:r>
+            <a:endParaRPr lang="en-NZ" sz="4400" dirty="0"/>
+          </a:p>
+        </p:txBody>
+      </p:sp>
     </p:spTree>
     <p:extLst>
       <p:ext uri="{BB962C8B-B14F-4D97-AF65-F5344CB8AC3E}">
-        <p14:creationId xmlns:p14="http://schemas.microsoft.com/office/powerpoint/2010/main" val="729888300"/>
+        <p14:creationId xmlns:p14="http://schemas.microsoft.com/office/powerpoint/2010/main" val="1790429301"/>
       </p:ext>
     </p:extLst>
   </p:cSld>
@@ -3663,7 +3770,7 @@
           <p:cNvPr id="4" name="Picture 3">
             <a:extLst>
               <a:ext uri="{FF2B5EF4-FFF2-40B4-BE49-F238E27FC236}">
-                <a16:creationId xmlns:a16="http://schemas.microsoft.com/office/drawing/2014/main" id="{4B111417-EBAA-4B57-8168-A305952354E4}"/>
+                <a16:creationId xmlns:a16="http://schemas.microsoft.com/office/drawing/2014/main" id="{648341BC-F27C-40B9-8D90-C1CCBE193802}"/>
               </a:ext>
             </a:extLst>
           </p:cNvPr>
@@ -3680,18 +3787,57 @@
         </p:blipFill>
         <p:spPr>
           <a:xfrm>
-            <a:off x="752475" y="3081337"/>
-            <a:ext cx="10687050" cy="695325"/>
+            <a:off x="2995612" y="1919176"/>
+            <a:ext cx="6200775" cy="3019648"/>
           </a:xfrm>
           <a:prstGeom prst="rect">
             <a:avLst/>
           </a:prstGeom>
         </p:spPr>
       </p:pic>
+      <p:sp>
+        <p:nvSpPr>
+          <p:cNvPr id="3" name="TextBox 2">
+            <a:extLst>
+              <a:ext uri="{FF2B5EF4-FFF2-40B4-BE49-F238E27FC236}">
+                <a16:creationId xmlns:a16="http://schemas.microsoft.com/office/drawing/2014/main" id="{259B4BBA-728B-4381-92CD-3EA582F44875}"/>
+              </a:ext>
+            </a:extLst>
+          </p:cNvPr>
+          <p:cNvSpPr txBox="1"/>
+          <p:nvPr/>
+        </p:nvSpPr>
+        <p:spPr>
+          <a:xfrm>
+            <a:off x="4971414" y="383032"/>
+            <a:ext cx="1391920" cy="369332"/>
+          </a:xfrm>
+          <a:prstGeom prst="rect">
+            <a:avLst/>
+          </a:prstGeom>
+          <a:noFill/>
+        </p:spPr>
+        <p:txBody>
+          <a:bodyPr wrap="square" rtlCol="0">
+            <a:spAutoFit/>
+          </a:bodyPr>
+          <a:lstStyle/>
+          <a:p>
+            <a:r>
+              <a:rPr lang="en-NZ" dirty="0" err="1"/>
+              <a:t>Inno</a:t>
+            </a:r>
+            <a:r>
+              <a:rPr lang="en-NZ" dirty="0"/>
+              <a:t> Setup</a:t>
+            </a:r>
+          </a:p>
+        </p:txBody>
+      </p:sp>
     </p:spTree>
     <p:extLst>
       <p:ext uri="{BB962C8B-B14F-4D97-AF65-F5344CB8AC3E}">
-        <p14:creationId xmlns:p14="http://schemas.microsoft.com/office/powerpoint/2010/main" val="683663190"/>
+        <p14:creationId xmlns:p14="http://schemas.microsoft.com/office/powerpoint/2010/main" val="2931824116"/>
       </p:ext>
     </p:extLst>
   </p:cSld>
@@ -3723,7 +3869,7 @@
           <p:cNvPr id="4" name="Picture 3">
             <a:extLst>
               <a:ext uri="{FF2B5EF4-FFF2-40B4-BE49-F238E27FC236}">
-                <a16:creationId xmlns:a16="http://schemas.microsoft.com/office/drawing/2014/main" id="{99D62673-3F17-4219-A983-6A839B39DA88}"/>
+                <a16:creationId xmlns:a16="http://schemas.microsoft.com/office/drawing/2014/main" id="{F71572D5-80ED-43EB-B2C3-07C6BA7AE5F2}"/>
               </a:ext>
             </a:extLst>
           </p:cNvPr>
@@ -3740,8 +3886,8 @@
         </p:blipFill>
         <p:spPr>
           <a:xfrm>
-            <a:off x="1376362" y="590269"/>
-            <a:ext cx="9439275" cy="2124075"/>
+            <a:off x="2124075" y="1882028"/>
+            <a:ext cx="7943850" cy="476250"/>
           </a:xfrm>
           <a:prstGeom prst="rect">
             <a:avLst/>
@@ -3750,10 +3896,10 @@
       </p:pic>
       <p:pic>
         <p:nvPicPr>
-          <p:cNvPr id="8" name="Picture 7">
-            <a:extLst>
-              <a:ext uri="{FF2B5EF4-FFF2-40B4-BE49-F238E27FC236}">
-                <a16:creationId xmlns:a16="http://schemas.microsoft.com/office/drawing/2014/main" id="{9E2296A5-AD06-44A4-8246-30D4766E48FB}"/>
+          <p:cNvPr id="5" name="Picture 4">
+            <a:extLst>
+              <a:ext uri="{FF2B5EF4-FFF2-40B4-BE49-F238E27FC236}">
+                <a16:creationId xmlns:a16="http://schemas.microsoft.com/office/drawing/2014/main" id="{B8A23121-C533-4B10-A2A2-C05A5BF62ECA}"/>
               </a:ext>
             </a:extLst>
           </p:cNvPr>
@@ -3770,18 +3916,122 @@
         </p:blipFill>
         <p:spPr>
           <a:xfrm>
-            <a:off x="3603983" y="2976562"/>
-            <a:ext cx="4984031" cy="2757488"/>
+            <a:off x="295275" y="2995612"/>
+            <a:ext cx="11601450" cy="409575"/>
           </a:xfrm>
           <a:prstGeom prst="rect">
             <a:avLst/>
           </a:prstGeom>
         </p:spPr>
       </p:pic>
+      <p:pic>
+        <p:nvPicPr>
+          <p:cNvPr id="2" name="Picture 1">
+            <a:extLst>
+              <a:ext uri="{FF2B5EF4-FFF2-40B4-BE49-F238E27FC236}">
+                <a16:creationId xmlns:a16="http://schemas.microsoft.com/office/drawing/2014/main" id="{B8A71176-07A3-4CB0-9349-FD75BC9B7E80}"/>
+              </a:ext>
+            </a:extLst>
+          </p:cNvPr>
+          <p:cNvPicPr>
+            <a:picLocks noChangeAspect="1"/>
+          </p:cNvPicPr>
+          <p:nvPr/>
+        </p:nvPicPr>
+        <p:blipFill>
+          <a:blip r:embed="rId4"/>
+          <a:stretch>
+            <a:fillRect/>
+          </a:stretch>
+        </p:blipFill>
+        <p:spPr>
+          <a:xfrm>
+            <a:off x="1628775" y="4219294"/>
+            <a:ext cx="8934450" cy="1019175"/>
+          </a:xfrm>
+          <a:prstGeom prst="rect">
+            <a:avLst/>
+          </a:prstGeom>
+        </p:spPr>
+      </p:pic>
+      <p:sp>
+        <p:nvSpPr>
+          <p:cNvPr id="6" name="TextBox 5">
+            <a:extLst>
+              <a:ext uri="{FF2B5EF4-FFF2-40B4-BE49-F238E27FC236}">
+                <a16:creationId xmlns:a16="http://schemas.microsoft.com/office/drawing/2014/main" id="{C1B97481-7B07-443C-8110-20B040186A5A}"/>
+              </a:ext>
+            </a:extLst>
+          </p:cNvPr>
+          <p:cNvSpPr txBox="1"/>
+          <p:nvPr/>
+        </p:nvSpPr>
+        <p:spPr>
+          <a:xfrm>
+            <a:off x="2124075" y="1290309"/>
+            <a:ext cx="1391920" cy="369332"/>
+          </a:xfrm>
+          <a:prstGeom prst="rect">
+            <a:avLst/>
+          </a:prstGeom>
+          <a:noFill/>
+        </p:spPr>
+        <p:txBody>
+          <a:bodyPr wrap="square" rtlCol="0">
+            <a:spAutoFit/>
+          </a:bodyPr>
+          <a:lstStyle/>
+          <a:p>
+            <a:r>
+              <a:rPr lang="en-NZ" dirty="0"/>
+              <a:t>Wise</a:t>
+            </a:r>
+          </a:p>
+        </p:txBody>
+      </p:sp>
+      <p:sp>
+        <p:nvSpPr>
+          <p:cNvPr id="7" name="TextBox 6">
+            <a:extLst>
+              <a:ext uri="{FF2B5EF4-FFF2-40B4-BE49-F238E27FC236}">
+                <a16:creationId xmlns:a16="http://schemas.microsoft.com/office/drawing/2014/main" id="{F7C9657C-4C45-4AC1-BE21-ED76BF93E6FF}"/>
+              </a:ext>
+            </a:extLst>
+          </p:cNvPr>
+          <p:cNvSpPr txBox="1"/>
+          <p:nvPr/>
+        </p:nvSpPr>
+        <p:spPr>
+          <a:xfrm>
+            <a:off x="295275" y="2492279"/>
+            <a:ext cx="1391920" cy="369332"/>
+          </a:xfrm>
+          <a:prstGeom prst="rect">
+            <a:avLst/>
+          </a:prstGeom>
+          <a:noFill/>
+        </p:spPr>
+        <p:txBody>
+          <a:bodyPr wrap="square" rtlCol="0">
+            <a:spAutoFit/>
+          </a:bodyPr>
+          <a:lstStyle/>
+          <a:p>
+            <a:r>
+              <a:rPr lang="en-NZ" dirty="0" err="1"/>
+              <a:t>Inno</a:t>
+            </a:r>
+            <a:r>
+              <a:rPr lang="en-NZ" dirty="0"/>
+              <a:t> Setup</a:t>
+            </a:r>
+          </a:p>
+        </p:txBody>
+      </p:sp>
     </p:spTree>
     <p:extLst>
       <p:ext uri="{BB962C8B-B14F-4D97-AF65-F5344CB8AC3E}">
-        <p14:creationId xmlns:p14="http://schemas.microsoft.com/office/powerpoint/2010/main" val="3737203072"/>
+        <p14:creationId xmlns:p14="http://schemas.microsoft.com/office/powerpoint/2010/main" val="1279694510"/>
       </p:ext>
     </p:extLst>
   </p:cSld>
@@ -3813,7 +4063,7 @@
           <p:cNvPr id="4" name="Picture 3">
             <a:extLst>
               <a:ext uri="{FF2B5EF4-FFF2-40B4-BE49-F238E27FC236}">
-                <a16:creationId xmlns:a16="http://schemas.microsoft.com/office/drawing/2014/main" id="{993E2514-D604-4992-8F01-E13178DDCF41}"/>
+                <a16:creationId xmlns:a16="http://schemas.microsoft.com/office/drawing/2014/main" id="{86C5D41F-9D43-477D-B0EA-DE9D77B2848C}"/>
               </a:ext>
             </a:extLst>
           </p:cNvPr>
@@ -3830,8 +4080,8 @@
         </p:blipFill>
         <p:spPr>
           <a:xfrm>
-            <a:off x="2662233" y="1392331"/>
-            <a:ext cx="6867525" cy="685800"/>
+            <a:off x="4457700" y="1404658"/>
+            <a:ext cx="3276600" cy="857250"/>
           </a:xfrm>
           <a:prstGeom prst="rect">
             <a:avLst/>
@@ -3840,10 +4090,10 @@
       </p:pic>
       <p:pic>
         <p:nvPicPr>
-          <p:cNvPr id="6" name="Picture 5">
-            <a:extLst>
-              <a:ext uri="{FF2B5EF4-FFF2-40B4-BE49-F238E27FC236}">
-                <a16:creationId xmlns:a16="http://schemas.microsoft.com/office/drawing/2014/main" id="{BC909F74-ACD7-4D9F-A5C2-F326F6BA4212}"/>
+          <p:cNvPr id="5" name="Picture 4">
+            <a:extLst>
+              <a:ext uri="{FF2B5EF4-FFF2-40B4-BE49-F238E27FC236}">
+                <a16:creationId xmlns:a16="http://schemas.microsoft.com/office/drawing/2014/main" id="{25051384-CBE1-4846-9B53-6D9C5AE8EBD7}"/>
               </a:ext>
             </a:extLst>
           </p:cNvPr>
@@ -3860,18 +4110,92 @@
         </p:blipFill>
         <p:spPr>
           <a:xfrm>
-            <a:off x="2743350" y="3515284"/>
-            <a:ext cx="6705293" cy="1323975"/>
+            <a:off x="1957387" y="2977404"/>
+            <a:ext cx="8277225" cy="1333500"/>
           </a:xfrm>
           <a:prstGeom prst="rect">
             <a:avLst/>
           </a:prstGeom>
         </p:spPr>
       </p:pic>
+      <p:sp>
+        <p:nvSpPr>
+          <p:cNvPr id="6" name="TextBox 5">
+            <a:extLst>
+              <a:ext uri="{FF2B5EF4-FFF2-40B4-BE49-F238E27FC236}">
+                <a16:creationId xmlns:a16="http://schemas.microsoft.com/office/drawing/2014/main" id="{B8EA91BA-F17D-446F-997F-FE327D2BFA5E}"/>
+              </a:ext>
+            </a:extLst>
+          </p:cNvPr>
+          <p:cNvSpPr txBox="1"/>
+          <p:nvPr/>
+        </p:nvSpPr>
+        <p:spPr>
+          <a:xfrm>
+            <a:off x="1943734" y="2608072"/>
+            <a:ext cx="1391920" cy="369332"/>
+          </a:xfrm>
+          <a:prstGeom prst="rect">
+            <a:avLst/>
+          </a:prstGeom>
+          <a:noFill/>
+        </p:spPr>
+        <p:txBody>
+          <a:bodyPr wrap="square" rtlCol="0">
+            <a:spAutoFit/>
+          </a:bodyPr>
+          <a:lstStyle/>
+          <a:p>
+            <a:r>
+              <a:rPr lang="en-NZ" dirty="0" err="1"/>
+              <a:t>Inno</a:t>
+            </a:r>
+            <a:r>
+              <a:rPr lang="en-NZ" dirty="0"/>
+              <a:t> Setup</a:t>
+            </a:r>
+          </a:p>
+        </p:txBody>
+      </p:sp>
+      <p:sp>
+        <p:nvSpPr>
+          <p:cNvPr id="7" name="TextBox 6">
+            <a:extLst>
+              <a:ext uri="{FF2B5EF4-FFF2-40B4-BE49-F238E27FC236}">
+                <a16:creationId xmlns:a16="http://schemas.microsoft.com/office/drawing/2014/main" id="{4C8EB833-FD71-40F3-9118-AAFAA9BEF821}"/>
+              </a:ext>
+            </a:extLst>
+          </p:cNvPr>
+          <p:cNvSpPr txBox="1"/>
+          <p:nvPr/>
+        </p:nvSpPr>
+        <p:spPr>
+          <a:xfrm>
+            <a:off x="4457700" y="689162"/>
+            <a:ext cx="1391920" cy="369332"/>
+          </a:xfrm>
+          <a:prstGeom prst="rect">
+            <a:avLst/>
+          </a:prstGeom>
+          <a:noFill/>
+        </p:spPr>
+        <p:txBody>
+          <a:bodyPr wrap="square" rtlCol="0">
+            <a:spAutoFit/>
+          </a:bodyPr>
+          <a:lstStyle/>
+          <a:p>
+            <a:r>
+              <a:rPr lang="en-NZ" dirty="0"/>
+              <a:t>Wise</a:t>
+            </a:r>
+          </a:p>
+        </p:txBody>
+      </p:sp>
     </p:spTree>
     <p:extLst>
       <p:ext uri="{BB962C8B-B14F-4D97-AF65-F5344CB8AC3E}">
-        <p14:creationId xmlns:p14="http://schemas.microsoft.com/office/powerpoint/2010/main" val="2114680591"/>
+        <p14:creationId xmlns:p14="http://schemas.microsoft.com/office/powerpoint/2010/main" val="3175762822"/>
       </p:ext>
     </p:extLst>
   </p:cSld>
@@ -3900,10 +4224,10 @@
       </p:grpSpPr>
       <p:pic>
         <p:nvPicPr>
-          <p:cNvPr id="5" name="Picture 4">
-            <a:extLst>
-              <a:ext uri="{FF2B5EF4-FFF2-40B4-BE49-F238E27FC236}">
-                <a16:creationId xmlns:a16="http://schemas.microsoft.com/office/drawing/2014/main" id="{231C1D14-DA6D-47B4-8EC1-A6EF3E515250}"/>
+          <p:cNvPr id="4" name="Picture 3">
+            <a:extLst>
+              <a:ext uri="{FF2B5EF4-FFF2-40B4-BE49-F238E27FC236}">
+                <a16:creationId xmlns:a16="http://schemas.microsoft.com/office/drawing/2014/main" id="{4B111417-EBAA-4B57-8168-A305952354E4}"/>
               </a:ext>
             </a:extLst>
           </p:cNvPr>
@@ -3920,8 +4244,8 @@
         </p:blipFill>
         <p:spPr>
           <a:xfrm>
-            <a:off x="2761633" y="4733925"/>
-            <a:ext cx="6821129" cy="1409700"/>
+            <a:off x="291093" y="3855720"/>
+            <a:ext cx="11900908" cy="779274"/>
           </a:xfrm>
           <a:prstGeom prst="rect">
             <a:avLst/>
@@ -3930,10 +4254,10 @@
       </p:pic>
       <p:pic>
         <p:nvPicPr>
-          <p:cNvPr id="6" name="Picture 5">
-            <a:extLst>
-              <a:ext uri="{FF2B5EF4-FFF2-40B4-BE49-F238E27FC236}">
-                <a16:creationId xmlns:a16="http://schemas.microsoft.com/office/drawing/2014/main" id="{54611204-480E-4EDF-A916-2DBC2CFB7269}"/>
+          <p:cNvPr id="2" name="Picture 1">
+            <a:extLst>
+              <a:ext uri="{FF2B5EF4-FFF2-40B4-BE49-F238E27FC236}">
+                <a16:creationId xmlns:a16="http://schemas.microsoft.com/office/drawing/2014/main" id="{2919DF18-9A3A-4A67-AB1C-316A9C4A43A8}"/>
               </a:ext>
             </a:extLst>
           </p:cNvPr>
@@ -3944,23 +4268,62 @@
         </p:nvPicPr>
         <p:blipFill rotWithShape="1">
           <a:blip r:embed="rId3"/>
-          <a:srcRect r="402" b="17088"/>
+          <a:srcRect r="29417"/>
           <a:stretch/>
         </p:blipFill>
         <p:spPr>
           <a:xfrm>
-            <a:off x="1452561" y="413637"/>
-            <a:ext cx="9439275" cy="3782826"/>
+            <a:off x="291092" y="1610481"/>
+            <a:ext cx="11609816" cy="891924"/>
           </a:xfrm>
           <a:prstGeom prst="rect">
             <a:avLst/>
           </a:prstGeom>
         </p:spPr>
       </p:pic>
+      <p:sp>
+        <p:nvSpPr>
+          <p:cNvPr id="5" name="TextBox 4">
+            <a:extLst>
+              <a:ext uri="{FF2B5EF4-FFF2-40B4-BE49-F238E27FC236}">
+                <a16:creationId xmlns:a16="http://schemas.microsoft.com/office/drawing/2014/main" id="{DBF191D4-D1DB-4741-A69D-0A723F512ACD}"/>
+              </a:ext>
+            </a:extLst>
+          </p:cNvPr>
+          <p:cNvSpPr txBox="1"/>
+          <p:nvPr/>
+        </p:nvSpPr>
+        <p:spPr>
+          <a:xfrm>
+            <a:off x="5255894" y="257166"/>
+            <a:ext cx="1391920" cy="369332"/>
+          </a:xfrm>
+          <a:prstGeom prst="rect">
+            <a:avLst/>
+          </a:prstGeom>
+          <a:noFill/>
+        </p:spPr>
+        <p:txBody>
+          <a:bodyPr wrap="square" rtlCol="0">
+            <a:spAutoFit/>
+          </a:bodyPr>
+          <a:lstStyle/>
+          <a:p>
+            <a:r>
+              <a:rPr lang="en-NZ" dirty="0" err="1"/>
+              <a:t>Inno</a:t>
+            </a:r>
+            <a:r>
+              <a:rPr lang="en-NZ" dirty="0"/>
+              <a:t> Setup</a:t>
+            </a:r>
+          </a:p>
+        </p:txBody>
+      </p:sp>
     </p:spTree>
     <p:extLst>
       <p:ext uri="{BB962C8B-B14F-4D97-AF65-F5344CB8AC3E}">
-        <p14:creationId xmlns:p14="http://schemas.microsoft.com/office/powerpoint/2010/main" val="3449562577"/>
+        <p14:creationId xmlns:p14="http://schemas.microsoft.com/office/powerpoint/2010/main" val="683663190"/>
       </p:ext>
     </p:extLst>
   </p:cSld>
@@ -3992,7 +4355,7 @@
           <p:cNvPr id="4" name="Picture 3">
             <a:extLst>
               <a:ext uri="{FF2B5EF4-FFF2-40B4-BE49-F238E27FC236}">
-                <a16:creationId xmlns:a16="http://schemas.microsoft.com/office/drawing/2014/main" id="{65BA6001-0F82-4710-830A-D1A9A61A9C4B}"/>
+                <a16:creationId xmlns:a16="http://schemas.microsoft.com/office/drawing/2014/main" id="{99D62673-3F17-4219-A983-6A839B39DA88}"/>
               </a:ext>
             </a:extLst>
           </p:cNvPr>
@@ -4009,8 +4372,8 @@
         </p:blipFill>
         <p:spPr>
           <a:xfrm>
-            <a:off x="1881185" y="712413"/>
-            <a:ext cx="8429625" cy="2066925"/>
+            <a:off x="1376362" y="590269"/>
+            <a:ext cx="9439275" cy="2124075"/>
           </a:xfrm>
           <a:prstGeom prst="rect">
             <a:avLst/>
@@ -4019,10 +4382,10 @@
       </p:pic>
       <p:pic>
         <p:nvPicPr>
-          <p:cNvPr id="5" name="Picture 4">
-            <a:extLst>
-              <a:ext uri="{FF2B5EF4-FFF2-40B4-BE49-F238E27FC236}">
-                <a16:creationId xmlns:a16="http://schemas.microsoft.com/office/drawing/2014/main" id="{667E1C93-428D-4E81-95F8-5DB53F6A971B}"/>
+          <p:cNvPr id="2" name="Picture 1">
+            <a:extLst>
+              <a:ext uri="{FF2B5EF4-FFF2-40B4-BE49-F238E27FC236}">
+                <a16:creationId xmlns:a16="http://schemas.microsoft.com/office/drawing/2014/main" id="{E4476964-0E44-4B70-A95F-7D6D428DA1D3}"/>
               </a:ext>
             </a:extLst>
           </p:cNvPr>
@@ -4039,18 +4402,93 @@
         </p:blipFill>
         <p:spPr>
           <a:xfrm>
-            <a:off x="3019421" y="2791348"/>
-            <a:ext cx="6153151" cy="3628394"/>
+            <a:off x="3413311" y="3020266"/>
+            <a:ext cx="5365377" cy="3247465"/>
           </a:xfrm>
           <a:prstGeom prst="rect">
             <a:avLst/>
           </a:prstGeom>
         </p:spPr>
       </p:pic>
+      <p:sp>
+        <p:nvSpPr>
+          <p:cNvPr id="3" name="TextBox 2">
+            <a:extLst>
+              <a:ext uri="{FF2B5EF4-FFF2-40B4-BE49-F238E27FC236}">
+                <a16:creationId xmlns:a16="http://schemas.microsoft.com/office/drawing/2014/main" id="{A517EDA1-421C-4046-A4B3-DBB80E3BA45A}"/>
+              </a:ext>
+            </a:extLst>
+          </p:cNvPr>
+          <p:cNvSpPr txBox="1"/>
+          <p:nvPr/>
+        </p:nvSpPr>
+        <p:spPr>
+          <a:xfrm>
+            <a:off x="1274856" y="185377"/>
+            <a:ext cx="1391920" cy="369332"/>
+          </a:xfrm>
+          <a:prstGeom prst="rect">
+            <a:avLst/>
+          </a:prstGeom>
+          <a:noFill/>
+        </p:spPr>
+        <p:txBody>
+          <a:bodyPr wrap="square" rtlCol="0">
+            <a:spAutoFit/>
+          </a:bodyPr>
+          <a:lstStyle/>
+          <a:p>
+            <a:r>
+              <a:rPr lang="en-NZ" dirty="0"/>
+              <a:t>Wise</a:t>
+            </a:r>
+          </a:p>
+        </p:txBody>
+      </p:sp>
+      <p:sp>
+        <p:nvSpPr>
+          <p:cNvPr id="6" name="TextBox 5">
+            <a:extLst>
+              <a:ext uri="{FF2B5EF4-FFF2-40B4-BE49-F238E27FC236}">
+                <a16:creationId xmlns:a16="http://schemas.microsoft.com/office/drawing/2014/main" id="{5332773E-C2AF-44EC-9D2B-6DF708A2D86D}"/>
+              </a:ext>
+            </a:extLst>
+          </p:cNvPr>
+          <p:cNvSpPr txBox="1"/>
+          <p:nvPr/>
+        </p:nvSpPr>
+        <p:spPr>
+          <a:xfrm>
+            <a:off x="3359635" y="2529678"/>
+            <a:ext cx="1391920" cy="369332"/>
+          </a:xfrm>
+          <a:prstGeom prst="rect">
+            <a:avLst/>
+          </a:prstGeom>
+          <a:noFill/>
+        </p:spPr>
+        <p:txBody>
+          <a:bodyPr wrap="square" rtlCol="0">
+            <a:spAutoFit/>
+          </a:bodyPr>
+          <a:lstStyle/>
+          <a:p>
+            <a:r>
+              <a:rPr lang="en-NZ" dirty="0"/>
+              <a:t>.</a:t>
+            </a:r>
+            <a:r>
+              <a:rPr lang="en-NZ" dirty="0" err="1"/>
+              <a:t>wse</a:t>
+            </a:r>
+            <a:endParaRPr lang="en-NZ" dirty="0"/>
+          </a:p>
+        </p:txBody>
+      </p:sp>
     </p:spTree>
     <p:extLst>
       <p:ext uri="{BB962C8B-B14F-4D97-AF65-F5344CB8AC3E}">
-        <p14:creationId xmlns:p14="http://schemas.microsoft.com/office/powerpoint/2010/main" val="2569083711"/>
+        <p14:creationId xmlns:p14="http://schemas.microsoft.com/office/powerpoint/2010/main" val="3737203072"/>
       </p:ext>
     </p:extLst>
   </p:cSld>
@@ -4079,10 +4517,10 @@
       </p:grpSpPr>
       <p:pic>
         <p:nvPicPr>
-          <p:cNvPr id="5" name="Picture 4">
-            <a:extLst>
-              <a:ext uri="{FF2B5EF4-FFF2-40B4-BE49-F238E27FC236}">
-                <a16:creationId xmlns:a16="http://schemas.microsoft.com/office/drawing/2014/main" id="{97115B82-2B7F-453A-B4BE-370A7837FB23}"/>
+          <p:cNvPr id="4" name="Picture 3">
+            <a:extLst>
+              <a:ext uri="{FF2B5EF4-FFF2-40B4-BE49-F238E27FC236}">
+                <a16:creationId xmlns:a16="http://schemas.microsoft.com/office/drawing/2014/main" id="{993E2514-D604-4992-8F01-E13178DDCF41}"/>
               </a:ext>
             </a:extLst>
           </p:cNvPr>
@@ -4099,18 +4537,123 @@
         </p:blipFill>
         <p:spPr>
           <a:xfrm>
-            <a:off x="0" y="130743"/>
-            <a:ext cx="12192000" cy="6596514"/>
+            <a:off x="2662233" y="1392331"/>
+            <a:ext cx="6867525" cy="685800"/>
           </a:xfrm>
           <a:prstGeom prst="rect">
             <a:avLst/>
           </a:prstGeom>
         </p:spPr>
       </p:pic>
+      <p:pic>
+        <p:nvPicPr>
+          <p:cNvPr id="6" name="Picture 5">
+            <a:extLst>
+              <a:ext uri="{FF2B5EF4-FFF2-40B4-BE49-F238E27FC236}">
+                <a16:creationId xmlns:a16="http://schemas.microsoft.com/office/drawing/2014/main" id="{BC909F74-ACD7-4D9F-A5C2-F326F6BA4212}"/>
+              </a:ext>
+            </a:extLst>
+          </p:cNvPr>
+          <p:cNvPicPr>
+            <a:picLocks noChangeAspect="1"/>
+          </p:cNvPicPr>
+          <p:nvPr/>
+        </p:nvPicPr>
+        <p:blipFill>
+          <a:blip r:embed="rId3"/>
+          <a:stretch>
+            <a:fillRect/>
+          </a:stretch>
+        </p:blipFill>
+        <p:spPr>
+          <a:xfrm>
+            <a:off x="2743350" y="3515284"/>
+            <a:ext cx="6705293" cy="1323975"/>
+          </a:xfrm>
+          <a:prstGeom prst="rect">
+            <a:avLst/>
+          </a:prstGeom>
+        </p:spPr>
+      </p:pic>
+      <p:sp>
+        <p:nvSpPr>
+          <p:cNvPr id="5" name="TextBox 4">
+            <a:extLst>
+              <a:ext uri="{FF2B5EF4-FFF2-40B4-BE49-F238E27FC236}">
+                <a16:creationId xmlns:a16="http://schemas.microsoft.com/office/drawing/2014/main" id="{C15AE0C7-7E3A-4FA0-A1A0-10ABF5339582}"/>
+              </a:ext>
+            </a:extLst>
+          </p:cNvPr>
+          <p:cNvSpPr txBox="1"/>
+          <p:nvPr/>
+        </p:nvSpPr>
+        <p:spPr>
+          <a:xfrm>
+            <a:off x="2662233" y="896577"/>
+            <a:ext cx="1391920" cy="369332"/>
+          </a:xfrm>
+          <a:prstGeom prst="rect">
+            <a:avLst/>
+          </a:prstGeom>
+          <a:noFill/>
+        </p:spPr>
+        <p:txBody>
+          <a:bodyPr wrap="square" rtlCol="0">
+            <a:spAutoFit/>
+          </a:bodyPr>
+          <a:lstStyle/>
+          <a:p>
+            <a:r>
+              <a:rPr lang="en-NZ" dirty="0"/>
+              <a:t>Wise</a:t>
+            </a:r>
+          </a:p>
+        </p:txBody>
+      </p:sp>
+      <p:sp>
+        <p:nvSpPr>
+          <p:cNvPr id="7" name="TextBox 6">
+            <a:extLst>
+              <a:ext uri="{FF2B5EF4-FFF2-40B4-BE49-F238E27FC236}">
+                <a16:creationId xmlns:a16="http://schemas.microsoft.com/office/drawing/2014/main" id="{296E38A5-2B3D-4902-872E-1AB07F1504F9}"/>
+              </a:ext>
+            </a:extLst>
+          </p:cNvPr>
+          <p:cNvSpPr txBox="1"/>
+          <p:nvPr/>
+        </p:nvSpPr>
+        <p:spPr>
+          <a:xfrm>
+            <a:off x="2743350" y="2973384"/>
+            <a:ext cx="1391920" cy="369332"/>
+          </a:xfrm>
+          <a:prstGeom prst="rect">
+            <a:avLst/>
+          </a:prstGeom>
+          <a:noFill/>
+        </p:spPr>
+        <p:txBody>
+          <a:bodyPr wrap="square" rtlCol="0">
+            <a:spAutoFit/>
+          </a:bodyPr>
+          <a:lstStyle/>
+          <a:p>
+            <a:r>
+              <a:rPr lang="en-NZ" dirty="0"/>
+              <a:t>.</a:t>
+            </a:r>
+            <a:r>
+              <a:rPr lang="en-NZ" dirty="0" err="1"/>
+              <a:t>wse</a:t>
+            </a:r>
+            <a:endParaRPr lang="en-NZ" dirty="0"/>
+          </a:p>
+        </p:txBody>
+      </p:sp>
     </p:spTree>
     <p:extLst>
       <p:ext uri="{BB962C8B-B14F-4D97-AF65-F5344CB8AC3E}">
-        <p14:creationId xmlns:p14="http://schemas.microsoft.com/office/powerpoint/2010/main" val="2107963942"/>
+        <p14:creationId xmlns:p14="http://schemas.microsoft.com/office/powerpoint/2010/main" val="2114680591"/>
       </p:ext>
     </p:extLst>
   </p:cSld>
@@ -4139,6 +4682,260 @@
       </p:grpSpPr>
       <p:pic>
         <p:nvPicPr>
+          <p:cNvPr id="5" name="Picture 4">
+            <a:extLst>
+              <a:ext uri="{FF2B5EF4-FFF2-40B4-BE49-F238E27FC236}">
+                <a16:creationId xmlns:a16="http://schemas.microsoft.com/office/drawing/2014/main" id="{231C1D14-DA6D-47B4-8EC1-A6EF3E515250}"/>
+              </a:ext>
+            </a:extLst>
+          </p:cNvPr>
+          <p:cNvPicPr>
+            <a:picLocks noChangeAspect="1"/>
+          </p:cNvPicPr>
+          <p:nvPr/>
+        </p:nvPicPr>
+        <p:blipFill>
+          <a:blip r:embed="rId2"/>
+          <a:stretch>
+            <a:fillRect/>
+          </a:stretch>
+        </p:blipFill>
+        <p:spPr>
+          <a:xfrm>
+            <a:off x="2761633" y="4733925"/>
+            <a:ext cx="6821129" cy="1409700"/>
+          </a:xfrm>
+          <a:prstGeom prst="rect">
+            <a:avLst/>
+          </a:prstGeom>
+        </p:spPr>
+      </p:pic>
+      <p:pic>
+        <p:nvPicPr>
+          <p:cNvPr id="6" name="Picture 5">
+            <a:extLst>
+              <a:ext uri="{FF2B5EF4-FFF2-40B4-BE49-F238E27FC236}">
+                <a16:creationId xmlns:a16="http://schemas.microsoft.com/office/drawing/2014/main" id="{54611204-480E-4EDF-A916-2DBC2CFB7269}"/>
+              </a:ext>
+            </a:extLst>
+          </p:cNvPr>
+          <p:cNvPicPr>
+            <a:picLocks noChangeAspect="1"/>
+          </p:cNvPicPr>
+          <p:nvPr/>
+        </p:nvPicPr>
+        <p:blipFill rotWithShape="1">
+          <a:blip r:embed="rId3"/>
+          <a:srcRect r="402" b="17088"/>
+          <a:stretch/>
+        </p:blipFill>
+        <p:spPr>
+          <a:xfrm>
+            <a:off x="1452561" y="413637"/>
+            <a:ext cx="9439275" cy="3782826"/>
+          </a:xfrm>
+          <a:prstGeom prst="rect">
+            <a:avLst/>
+          </a:prstGeom>
+        </p:spPr>
+      </p:pic>
+      <p:sp>
+        <p:nvSpPr>
+          <p:cNvPr id="4" name="TextBox 3">
+            <a:extLst>
+              <a:ext uri="{FF2B5EF4-FFF2-40B4-BE49-F238E27FC236}">
+                <a16:creationId xmlns:a16="http://schemas.microsoft.com/office/drawing/2014/main" id="{1899F397-05C5-414B-BDD6-596C0B492385}"/>
+              </a:ext>
+            </a:extLst>
+          </p:cNvPr>
+          <p:cNvSpPr txBox="1"/>
+          <p:nvPr/>
+        </p:nvSpPr>
+        <p:spPr>
+          <a:xfrm>
+            <a:off x="1452561" y="0"/>
+            <a:ext cx="1391920" cy="369332"/>
+          </a:xfrm>
+          <a:prstGeom prst="rect">
+            <a:avLst/>
+          </a:prstGeom>
+          <a:noFill/>
+        </p:spPr>
+        <p:txBody>
+          <a:bodyPr wrap="square" rtlCol="0">
+            <a:spAutoFit/>
+          </a:bodyPr>
+          <a:lstStyle/>
+          <a:p>
+            <a:r>
+              <a:rPr lang="en-NZ" dirty="0"/>
+              <a:t>Wise</a:t>
+            </a:r>
+          </a:p>
+        </p:txBody>
+      </p:sp>
+      <p:sp>
+        <p:nvSpPr>
+          <p:cNvPr id="7" name="TextBox 6">
+            <a:extLst>
+              <a:ext uri="{FF2B5EF4-FFF2-40B4-BE49-F238E27FC236}">
+                <a16:creationId xmlns:a16="http://schemas.microsoft.com/office/drawing/2014/main" id="{B9DD16D7-F8B9-43FD-9587-533A67BE8E21}"/>
+              </a:ext>
+            </a:extLst>
+          </p:cNvPr>
+          <p:cNvSpPr txBox="1"/>
+          <p:nvPr/>
+        </p:nvSpPr>
+        <p:spPr>
+          <a:xfrm>
+            <a:off x="2761633" y="4280528"/>
+            <a:ext cx="1391920" cy="369332"/>
+          </a:xfrm>
+          <a:prstGeom prst="rect">
+            <a:avLst/>
+          </a:prstGeom>
+          <a:noFill/>
+        </p:spPr>
+        <p:txBody>
+          <a:bodyPr wrap="square" rtlCol="0">
+            <a:spAutoFit/>
+          </a:bodyPr>
+          <a:lstStyle/>
+          <a:p>
+            <a:r>
+              <a:rPr lang="en-NZ" dirty="0"/>
+              <a:t>.</a:t>
+            </a:r>
+            <a:r>
+              <a:rPr lang="en-NZ" dirty="0" err="1"/>
+              <a:t>wse</a:t>
+            </a:r>
+            <a:endParaRPr lang="en-NZ" dirty="0"/>
+          </a:p>
+        </p:txBody>
+      </p:sp>
+    </p:spTree>
+    <p:extLst>
+      <p:ext uri="{BB962C8B-B14F-4D97-AF65-F5344CB8AC3E}">
+        <p14:creationId xmlns:p14="http://schemas.microsoft.com/office/powerpoint/2010/main" val="3449562577"/>
+      </p:ext>
+    </p:extLst>
+  </p:cSld>
+  <p:clrMapOvr>
+    <a:masterClrMapping/>
+  </p:clrMapOvr>
+</p:sld>
+</file>
+
+<file path=ppt/slides/slide17.xml><?xml version="1.0" encoding="utf-8"?>
+<p:sld xmlns:a="http://schemas.openxmlformats.org/drawingml/2006/main" xmlns:r="http://schemas.openxmlformats.org/officeDocument/2006/relationships" xmlns:p="http://schemas.openxmlformats.org/presentationml/2006/main">
+  <p:cSld>
+    <p:spTree>
+      <p:nvGrpSpPr>
+        <p:cNvPr id="1" name=""/>
+        <p:cNvGrpSpPr/>
+        <p:nvPr/>
+      </p:nvGrpSpPr>
+      <p:grpSpPr>
+        <a:xfrm>
+          <a:off x="0" y="0"/>
+          <a:ext cx="0" cy="0"/>
+          <a:chOff x="0" y="0"/>
+          <a:chExt cx="0" cy="0"/>
+        </a:xfrm>
+      </p:grpSpPr>
+      <p:pic>
+        <p:nvPicPr>
+          <p:cNvPr id="4" name="Picture 3">
+            <a:extLst>
+              <a:ext uri="{FF2B5EF4-FFF2-40B4-BE49-F238E27FC236}">
+                <a16:creationId xmlns:a16="http://schemas.microsoft.com/office/drawing/2014/main" id="{65BA6001-0F82-4710-830A-D1A9A61A9C4B}"/>
+              </a:ext>
+            </a:extLst>
+          </p:cNvPr>
+          <p:cNvPicPr>
+            <a:picLocks noChangeAspect="1"/>
+          </p:cNvPicPr>
+          <p:nvPr/>
+        </p:nvPicPr>
+        <p:blipFill>
+          <a:blip r:embed="rId2"/>
+          <a:stretch>
+            <a:fillRect/>
+          </a:stretch>
+        </p:blipFill>
+        <p:spPr>
+          <a:xfrm>
+            <a:off x="1881185" y="712413"/>
+            <a:ext cx="8429625" cy="2066925"/>
+          </a:xfrm>
+          <a:prstGeom prst="rect">
+            <a:avLst/>
+          </a:prstGeom>
+        </p:spPr>
+      </p:pic>
+      <p:pic>
+        <p:nvPicPr>
+          <p:cNvPr id="5" name="Picture 4">
+            <a:extLst>
+              <a:ext uri="{FF2B5EF4-FFF2-40B4-BE49-F238E27FC236}">
+                <a16:creationId xmlns:a16="http://schemas.microsoft.com/office/drawing/2014/main" id="{667E1C93-428D-4E81-95F8-5DB53F6A971B}"/>
+              </a:ext>
+            </a:extLst>
+          </p:cNvPr>
+          <p:cNvPicPr>
+            <a:picLocks noChangeAspect="1"/>
+          </p:cNvPicPr>
+          <p:nvPr/>
+        </p:nvPicPr>
+        <p:blipFill>
+          <a:blip r:embed="rId3"/>
+          <a:stretch>
+            <a:fillRect/>
+          </a:stretch>
+        </p:blipFill>
+        <p:spPr>
+          <a:xfrm>
+            <a:off x="3019421" y="2791348"/>
+            <a:ext cx="6153151" cy="3628394"/>
+          </a:xfrm>
+          <a:prstGeom prst="rect">
+            <a:avLst/>
+          </a:prstGeom>
+        </p:spPr>
+      </p:pic>
+    </p:spTree>
+    <p:extLst>
+      <p:ext uri="{BB962C8B-B14F-4D97-AF65-F5344CB8AC3E}">
+        <p14:creationId xmlns:p14="http://schemas.microsoft.com/office/powerpoint/2010/main" val="2569083711"/>
+      </p:ext>
+    </p:extLst>
+  </p:cSld>
+  <p:clrMapOvr>
+    <a:masterClrMapping/>
+  </p:clrMapOvr>
+</p:sld>
+</file>
+
+<file path=ppt/slides/slide18.xml><?xml version="1.0" encoding="utf-8"?>
+<p:sld xmlns:a="http://schemas.openxmlformats.org/drawingml/2006/main" xmlns:r="http://schemas.openxmlformats.org/officeDocument/2006/relationships" xmlns:p="http://schemas.openxmlformats.org/presentationml/2006/main">
+  <p:cSld>
+    <p:spTree>
+      <p:nvGrpSpPr>
+        <p:cNvPr id="1" name=""/>
+        <p:cNvGrpSpPr/>
+        <p:nvPr/>
+      </p:nvGrpSpPr>
+      <p:grpSpPr>
+        <a:xfrm>
+          <a:off x="0" y="0"/>
+          <a:ext cx="0" cy="0"/>
+          <a:chOff x="0" y="0"/>
+          <a:chExt cx="0" cy="0"/>
+        </a:xfrm>
+      </p:grpSpPr>
+      <p:pic>
+        <p:nvPicPr>
           <p:cNvPr id="4" name="Picture 3">
             <a:extLst>
               <a:ext uri="{FF2B5EF4-FFF2-40B4-BE49-F238E27FC236}">
@@ -4170,6 +4967,66 @@
     <p:extLst>
       <p:ext uri="{BB962C8B-B14F-4D97-AF65-F5344CB8AC3E}">
         <p14:creationId xmlns:p14="http://schemas.microsoft.com/office/powerpoint/2010/main" val="1181565114"/>
+      </p:ext>
+    </p:extLst>
+  </p:cSld>
+  <p:clrMapOvr>
+    <a:masterClrMapping/>
+  </p:clrMapOvr>
+</p:sld>
+</file>
+
+<file path=ppt/slides/slide19.xml><?xml version="1.0" encoding="utf-8"?>
+<p:sld xmlns:a="http://schemas.openxmlformats.org/drawingml/2006/main" xmlns:r="http://schemas.openxmlformats.org/officeDocument/2006/relationships" xmlns:p="http://schemas.openxmlformats.org/presentationml/2006/main">
+  <p:cSld>
+    <p:spTree>
+      <p:nvGrpSpPr>
+        <p:cNvPr id="1" name=""/>
+        <p:cNvGrpSpPr/>
+        <p:nvPr/>
+      </p:nvGrpSpPr>
+      <p:grpSpPr>
+        <a:xfrm>
+          <a:off x="0" y="0"/>
+          <a:ext cx="0" cy="0"/>
+          <a:chOff x="0" y="0"/>
+          <a:chExt cx="0" cy="0"/>
+        </a:xfrm>
+      </p:grpSpPr>
+      <p:pic>
+        <p:nvPicPr>
+          <p:cNvPr id="4" name="Picture 3">
+            <a:extLst>
+              <a:ext uri="{FF2B5EF4-FFF2-40B4-BE49-F238E27FC236}">
+                <a16:creationId xmlns:a16="http://schemas.microsoft.com/office/drawing/2014/main" id="{7D834380-1A06-47E9-8C60-C64B93813BD0}"/>
+              </a:ext>
+            </a:extLst>
+          </p:cNvPr>
+          <p:cNvPicPr>
+            <a:picLocks noChangeAspect="1"/>
+          </p:cNvPicPr>
+          <p:nvPr/>
+        </p:nvPicPr>
+        <p:blipFill>
+          <a:blip r:embed="rId2"/>
+          <a:stretch>
+            <a:fillRect/>
+          </a:stretch>
+        </p:blipFill>
+        <p:spPr>
+          <a:xfrm>
+            <a:off x="512530" y="0"/>
+            <a:ext cx="11166939" cy="6858000"/>
+          </a:xfrm>
+          <a:prstGeom prst="rect">
+            <a:avLst/>
+          </a:prstGeom>
+        </p:spPr>
+      </p:pic>
+    </p:spTree>
+    <p:extLst>
+      <p:ext uri="{BB962C8B-B14F-4D97-AF65-F5344CB8AC3E}">
+        <p14:creationId xmlns:p14="http://schemas.microsoft.com/office/powerpoint/2010/main" val="1234693383"/>
       </p:ext>
     </p:extLst>
   </p:cSld>
@@ -4201,7 +5058,7 @@
           <p:cNvPr id="4" name="Picture 3">
             <a:extLst>
               <a:ext uri="{FF2B5EF4-FFF2-40B4-BE49-F238E27FC236}">
-                <a16:creationId xmlns:a16="http://schemas.microsoft.com/office/drawing/2014/main" id="{1717CCE3-F0A6-4A5F-B6AB-A33F94BCA3D2}"/>
+                <a16:creationId xmlns:a16="http://schemas.microsoft.com/office/drawing/2014/main" id="{01D22A26-251A-4D6E-8D74-82C0F8F5FDAC}"/>
               </a:ext>
             </a:extLst>
           </p:cNvPr>
@@ -4218,8 +5075,8 @@
         </p:blipFill>
         <p:spPr>
           <a:xfrm>
-            <a:off x="1968953" y="0"/>
-            <a:ext cx="8254093" cy="6858000"/>
+            <a:off x="3119437" y="1143000"/>
+            <a:ext cx="5953125" cy="4572000"/>
           </a:xfrm>
           <a:prstGeom prst="rect">
             <a:avLst/>
@@ -4229,7 +5086,67 @@
     </p:spTree>
     <p:extLst>
       <p:ext uri="{BB962C8B-B14F-4D97-AF65-F5344CB8AC3E}">
-        <p14:creationId xmlns:p14="http://schemas.microsoft.com/office/powerpoint/2010/main" val="1700932334"/>
+        <p14:creationId xmlns:p14="http://schemas.microsoft.com/office/powerpoint/2010/main" val="1802978887"/>
+      </p:ext>
+    </p:extLst>
+  </p:cSld>
+  <p:clrMapOvr>
+    <a:masterClrMapping/>
+  </p:clrMapOvr>
+</p:sld>
+</file>
+
+<file path=ppt/slides/slide20.xml><?xml version="1.0" encoding="utf-8"?>
+<p:sld xmlns:a="http://schemas.openxmlformats.org/drawingml/2006/main" xmlns:r="http://schemas.openxmlformats.org/officeDocument/2006/relationships" xmlns:p="http://schemas.openxmlformats.org/presentationml/2006/main">
+  <p:cSld>
+    <p:spTree>
+      <p:nvGrpSpPr>
+        <p:cNvPr id="1" name=""/>
+        <p:cNvGrpSpPr/>
+        <p:nvPr/>
+      </p:nvGrpSpPr>
+      <p:grpSpPr>
+        <a:xfrm>
+          <a:off x="0" y="0"/>
+          <a:ext cx="0" cy="0"/>
+          <a:chOff x="0" y="0"/>
+          <a:chExt cx="0" cy="0"/>
+        </a:xfrm>
+      </p:grpSpPr>
+      <p:pic>
+        <p:nvPicPr>
+          <p:cNvPr id="5" name="Picture 4">
+            <a:extLst>
+              <a:ext uri="{FF2B5EF4-FFF2-40B4-BE49-F238E27FC236}">
+                <a16:creationId xmlns:a16="http://schemas.microsoft.com/office/drawing/2014/main" id="{38ACE01F-13F3-4DF3-92F7-4ABEF9382753}"/>
+              </a:ext>
+            </a:extLst>
+          </p:cNvPr>
+          <p:cNvPicPr>
+            <a:picLocks noChangeAspect="1"/>
+          </p:cNvPicPr>
+          <p:nvPr/>
+        </p:nvPicPr>
+        <p:blipFill>
+          <a:blip r:embed="rId2"/>
+          <a:stretch>
+            <a:fillRect/>
+          </a:stretch>
+        </p:blipFill>
+        <p:spPr>
+          <a:xfrm>
+            <a:off x="1562100" y="471487"/>
+            <a:ext cx="9067800" cy="5915025"/>
+          </a:xfrm>
+          <a:prstGeom prst="rect">
+            <a:avLst/>
+          </a:prstGeom>
+        </p:spPr>
+      </p:pic>
+    </p:spTree>
+    <p:extLst>
+      <p:ext uri="{BB962C8B-B14F-4D97-AF65-F5344CB8AC3E}">
+        <p14:creationId xmlns:p14="http://schemas.microsoft.com/office/powerpoint/2010/main" val="3241509787"/>
       </p:ext>
     </p:extLst>
   </p:cSld>
@@ -4258,10 +5175,10 @@
       </p:grpSpPr>
       <p:pic>
         <p:nvPicPr>
-          <p:cNvPr id="5" name="Picture 4">
-            <a:extLst>
-              <a:ext uri="{FF2B5EF4-FFF2-40B4-BE49-F238E27FC236}">
-                <a16:creationId xmlns:a16="http://schemas.microsoft.com/office/drawing/2014/main" id="{1EAA6F37-5ACC-4B18-AEB1-E9646446C219}"/>
+          <p:cNvPr id="4" name="Picture 3">
+            <a:extLst>
+              <a:ext uri="{FF2B5EF4-FFF2-40B4-BE49-F238E27FC236}">
+                <a16:creationId xmlns:a16="http://schemas.microsoft.com/office/drawing/2014/main" id="{9E12C988-3B9B-47CE-AA8E-93A8FB42EC02}"/>
               </a:ext>
             </a:extLst>
           </p:cNvPr>
@@ -4278,8 +5195,8 @@
         </p:blipFill>
         <p:spPr>
           <a:xfrm>
-            <a:off x="576797" y="0"/>
-            <a:ext cx="11038405" cy="6858000"/>
+            <a:off x="2767012" y="709612"/>
+            <a:ext cx="6657975" cy="5438775"/>
           </a:xfrm>
           <a:prstGeom prst="rect">
             <a:avLst/>
@@ -4289,7 +5206,7 @@
     </p:spTree>
     <p:extLst>
       <p:ext uri="{BB962C8B-B14F-4D97-AF65-F5344CB8AC3E}">
-        <p14:creationId xmlns:p14="http://schemas.microsoft.com/office/powerpoint/2010/main" val="1761762488"/>
+        <p14:creationId xmlns:p14="http://schemas.microsoft.com/office/powerpoint/2010/main" val="3013964821"/>
       </p:ext>
     </p:extLst>
   </p:cSld>
@@ -4321,7 +5238,7 @@
           <p:cNvPr id="4" name="Picture 3">
             <a:extLst>
               <a:ext uri="{FF2B5EF4-FFF2-40B4-BE49-F238E27FC236}">
-                <a16:creationId xmlns:a16="http://schemas.microsoft.com/office/drawing/2014/main" id="{00AEA3AC-2B31-4A2D-8ED6-05503ECFA84C}"/>
+                <a16:creationId xmlns:a16="http://schemas.microsoft.com/office/drawing/2014/main" id="{7C390806-9064-4A02-8E90-B718CBED70D1}"/>
               </a:ext>
             </a:extLst>
           </p:cNvPr>
@@ -4338,8 +5255,8 @@
         </p:blipFill>
         <p:spPr>
           <a:xfrm>
-            <a:off x="128587" y="1928812"/>
-            <a:ext cx="11934825" cy="3000375"/>
+            <a:off x="2137931" y="0"/>
+            <a:ext cx="7916137" cy="6858000"/>
           </a:xfrm>
           <a:prstGeom prst="rect">
             <a:avLst/>
@@ -4349,7 +5266,7 @@
     </p:spTree>
     <p:extLst>
       <p:ext uri="{BB962C8B-B14F-4D97-AF65-F5344CB8AC3E}">
-        <p14:creationId xmlns:p14="http://schemas.microsoft.com/office/powerpoint/2010/main" val="1792822450"/>
+        <p14:creationId xmlns:p14="http://schemas.microsoft.com/office/powerpoint/2010/main" val="729888300"/>
       </p:ext>
     </p:extLst>
   </p:cSld>
@@ -4381,7 +5298,7 @@
           <p:cNvPr id="4" name="Picture 3">
             <a:extLst>
               <a:ext uri="{FF2B5EF4-FFF2-40B4-BE49-F238E27FC236}">
-                <a16:creationId xmlns:a16="http://schemas.microsoft.com/office/drawing/2014/main" id="{E49D0BA9-ACA2-42E0-8B08-ABAF174C772E}"/>
+                <a16:creationId xmlns:a16="http://schemas.microsoft.com/office/drawing/2014/main" id="{1717CCE3-F0A6-4A5F-B6AB-A33F94BCA3D2}"/>
               </a:ext>
             </a:extLst>
           </p:cNvPr>
@@ -4398,8 +5315,8 @@
         </p:blipFill>
         <p:spPr>
           <a:xfrm>
-            <a:off x="1819275" y="1195387"/>
-            <a:ext cx="8553450" cy="4467225"/>
+            <a:off x="1968953" y="0"/>
+            <a:ext cx="8254093" cy="6858000"/>
           </a:xfrm>
           <a:prstGeom prst="rect">
             <a:avLst/>
@@ -4409,7 +5326,7 @@
     </p:spTree>
     <p:extLst>
       <p:ext uri="{BB962C8B-B14F-4D97-AF65-F5344CB8AC3E}">
-        <p14:creationId xmlns:p14="http://schemas.microsoft.com/office/powerpoint/2010/main" val="4027912515"/>
+        <p14:creationId xmlns:p14="http://schemas.microsoft.com/office/powerpoint/2010/main" val="1700932334"/>
       </p:ext>
     </p:extLst>
   </p:cSld>
@@ -4441,7 +5358,7 @@
           <p:cNvPr id="4" name="Picture 3">
             <a:extLst>
               <a:ext uri="{FF2B5EF4-FFF2-40B4-BE49-F238E27FC236}">
-                <a16:creationId xmlns:a16="http://schemas.microsoft.com/office/drawing/2014/main" id="{F71572D5-80ED-43EB-B2C3-07C6BA7AE5F2}"/>
+                <a16:creationId xmlns:a16="http://schemas.microsoft.com/office/drawing/2014/main" id="{E49D0BA9-ACA2-42E0-8B08-ABAF174C772E}"/>
               </a:ext>
             </a:extLst>
           </p:cNvPr>
@@ -4458,48 +5375,53 @@
         </p:blipFill>
         <p:spPr>
           <a:xfrm>
-            <a:off x="2124075" y="1882028"/>
-            <a:ext cx="7943850" cy="476250"/>
+            <a:off x="1819275" y="1195387"/>
+            <a:ext cx="8553450" cy="4467225"/>
           </a:xfrm>
           <a:prstGeom prst="rect">
             <a:avLst/>
           </a:prstGeom>
         </p:spPr>
       </p:pic>
-      <p:pic>
-        <p:nvPicPr>
-          <p:cNvPr id="5" name="Picture 4">
-            <a:extLst>
-              <a:ext uri="{FF2B5EF4-FFF2-40B4-BE49-F238E27FC236}">
-                <a16:creationId xmlns:a16="http://schemas.microsoft.com/office/drawing/2014/main" id="{B8A23121-C533-4B10-A2A2-C05A5BF62ECA}"/>
-              </a:ext>
-            </a:extLst>
-          </p:cNvPr>
-          <p:cNvPicPr>
-            <a:picLocks noChangeAspect="1"/>
-          </p:cNvPicPr>
+      <p:sp>
+        <p:nvSpPr>
+          <p:cNvPr id="5" name="TextBox 4">
+            <a:extLst>
+              <a:ext uri="{FF2B5EF4-FFF2-40B4-BE49-F238E27FC236}">
+                <a16:creationId xmlns:a16="http://schemas.microsoft.com/office/drawing/2014/main" id="{9E7A443C-3161-4B3A-B7FA-AE7BB243C6FC}"/>
+              </a:ext>
+            </a:extLst>
+          </p:cNvPr>
+          <p:cNvSpPr txBox="1"/>
           <p:nvPr/>
-        </p:nvPicPr>
-        <p:blipFill>
-          <a:blip r:embed="rId3"/>
-          <a:stretch>
-            <a:fillRect/>
-          </a:stretch>
-        </p:blipFill>
-        <p:spPr>
-          <a:xfrm>
-            <a:off x="295275" y="3429000"/>
-            <a:ext cx="11601450" cy="409575"/>
+        </p:nvSpPr>
+        <p:spPr>
+          <a:xfrm>
+            <a:off x="1819275" y="612097"/>
+            <a:ext cx="1391920" cy="369332"/>
           </a:xfrm>
           <a:prstGeom prst="rect">
             <a:avLst/>
           </a:prstGeom>
-        </p:spPr>
-      </p:pic>
+          <a:noFill/>
+        </p:spPr>
+        <p:txBody>
+          <a:bodyPr wrap="square" rtlCol="0">
+            <a:spAutoFit/>
+          </a:bodyPr>
+          <a:lstStyle/>
+          <a:p>
+            <a:r>
+              <a:rPr lang="en-NZ" dirty="0"/>
+              <a:t>Wise</a:t>
+            </a:r>
+          </a:p>
+        </p:txBody>
+      </p:sp>
     </p:spTree>
     <p:extLst>
       <p:ext uri="{BB962C8B-B14F-4D97-AF65-F5344CB8AC3E}">
-        <p14:creationId xmlns:p14="http://schemas.microsoft.com/office/powerpoint/2010/main" val="1279694510"/>
+        <p14:creationId xmlns:p14="http://schemas.microsoft.com/office/powerpoint/2010/main" val="4027912515"/>
       </p:ext>
     </p:extLst>
   </p:cSld>
@@ -4528,10 +5450,68 @@
       </p:grpSpPr>
       <p:pic>
         <p:nvPicPr>
-          <p:cNvPr id="4" name="Picture 3">
-            <a:extLst>
-              <a:ext uri="{FF2B5EF4-FFF2-40B4-BE49-F238E27FC236}">
-                <a16:creationId xmlns:a16="http://schemas.microsoft.com/office/drawing/2014/main" id="{01D22A26-251A-4D6E-8D74-82C0F8F5FDAC}"/>
+          <p:cNvPr id="2" name="Picture 1">
+            <a:extLst>
+              <a:ext uri="{FF2B5EF4-FFF2-40B4-BE49-F238E27FC236}">
+                <a16:creationId xmlns:a16="http://schemas.microsoft.com/office/drawing/2014/main" id="{47B2089F-9A4C-4465-9CF6-C8FF1E78DD91}"/>
+              </a:ext>
+            </a:extLst>
+          </p:cNvPr>
+          <p:cNvPicPr>
+            <a:picLocks noChangeAspect="1"/>
+          </p:cNvPicPr>
+          <p:nvPr/>
+        </p:nvPicPr>
+        <p:blipFill rotWithShape="1">
+          <a:blip r:embed="rId2"/>
+          <a:srcRect b="35153"/>
+          <a:stretch/>
+        </p:blipFill>
+        <p:spPr>
+          <a:xfrm>
+            <a:off x="1443037" y="345421"/>
+            <a:ext cx="9305925" cy="1673880"/>
+          </a:xfrm>
+          <a:prstGeom prst="rect">
+            <a:avLst/>
+          </a:prstGeom>
+        </p:spPr>
+      </p:pic>
+      <p:pic>
+        <p:nvPicPr>
+          <p:cNvPr id="3" name="Picture 2">
+            <a:extLst>
+              <a:ext uri="{FF2B5EF4-FFF2-40B4-BE49-F238E27FC236}">
+                <a16:creationId xmlns:a16="http://schemas.microsoft.com/office/drawing/2014/main" id="{97B0818E-6F2A-4B3A-9A15-F6B28C4297A1}"/>
+              </a:ext>
+            </a:extLst>
+          </p:cNvPr>
+          <p:cNvPicPr>
+            <a:picLocks noChangeAspect="1"/>
+          </p:cNvPicPr>
+          <p:nvPr/>
+        </p:nvPicPr>
+        <p:blipFill rotWithShape="1">
+          <a:blip r:embed="rId3"/>
+          <a:srcRect b="57823"/>
+          <a:stretch/>
+        </p:blipFill>
+        <p:spPr>
+          <a:xfrm>
+            <a:off x="347662" y="2257426"/>
+            <a:ext cx="11496675" cy="590549"/>
+          </a:xfrm>
+          <a:prstGeom prst="rect">
+            <a:avLst/>
+          </a:prstGeom>
+        </p:spPr>
+      </p:pic>
+      <p:pic>
+        <p:nvPicPr>
+          <p:cNvPr id="5" name="Picture 4">
+            <a:extLst>
+              <a:ext uri="{FF2B5EF4-FFF2-40B4-BE49-F238E27FC236}">
+                <a16:creationId xmlns:a16="http://schemas.microsoft.com/office/drawing/2014/main" id="{1129B1D3-92EC-4469-BAC6-F69D3F584092}"/>
               </a:ext>
             </a:extLst>
           </p:cNvPr>
@@ -4541,25 +5521,93 @@
           <p:nvPr/>
         </p:nvPicPr>
         <p:blipFill>
-          <a:blip r:embed="rId2"/>
+          <a:blip r:embed="rId4"/>
           <a:stretch>
             <a:fillRect/>
           </a:stretch>
         </p:blipFill>
         <p:spPr>
           <a:xfrm>
-            <a:off x="3119437" y="1143000"/>
-            <a:ext cx="5953125" cy="4572000"/>
+            <a:off x="2071686" y="3771900"/>
+            <a:ext cx="8048625" cy="1657350"/>
           </a:xfrm>
           <a:prstGeom prst="rect">
             <a:avLst/>
           </a:prstGeom>
         </p:spPr>
       </p:pic>
+      <p:pic>
+        <p:nvPicPr>
+          <p:cNvPr id="6" name="Picture 5">
+            <a:extLst>
+              <a:ext uri="{FF2B5EF4-FFF2-40B4-BE49-F238E27FC236}">
+                <a16:creationId xmlns:a16="http://schemas.microsoft.com/office/drawing/2014/main" id="{862AC86B-2AE7-4C5B-B48B-18A2EE2ACC8E}"/>
+              </a:ext>
+            </a:extLst>
+          </p:cNvPr>
+          <p:cNvPicPr>
+            <a:picLocks noChangeAspect="1"/>
+          </p:cNvPicPr>
+          <p:nvPr/>
+        </p:nvPicPr>
+        <p:blipFill rotWithShape="1">
+          <a:blip r:embed="rId5"/>
+          <a:srcRect t="23656"/>
+          <a:stretch/>
+        </p:blipFill>
+        <p:spPr>
+          <a:xfrm>
+            <a:off x="2071686" y="3533775"/>
+            <a:ext cx="1000125" cy="318247"/>
+          </a:xfrm>
+          <a:prstGeom prst="rect">
+            <a:avLst/>
+          </a:prstGeom>
+        </p:spPr>
+      </p:pic>
+      <p:sp>
+        <p:nvSpPr>
+          <p:cNvPr id="7" name="TextBox 6">
+            <a:extLst>
+              <a:ext uri="{FF2B5EF4-FFF2-40B4-BE49-F238E27FC236}">
+                <a16:creationId xmlns:a16="http://schemas.microsoft.com/office/drawing/2014/main" id="{170221D8-9FAA-45F0-BF66-53A2283AAB77}"/>
+              </a:ext>
+            </a:extLst>
+          </p:cNvPr>
+          <p:cNvSpPr txBox="1"/>
+          <p:nvPr/>
+        </p:nvSpPr>
+        <p:spPr>
+          <a:xfrm>
+            <a:off x="5164454" y="41693"/>
+            <a:ext cx="1391920" cy="369332"/>
+          </a:xfrm>
+          <a:prstGeom prst="rect">
+            <a:avLst/>
+          </a:prstGeom>
+          <a:noFill/>
+        </p:spPr>
+        <p:txBody>
+          <a:bodyPr wrap="square" rtlCol="0">
+            <a:spAutoFit/>
+          </a:bodyPr>
+          <a:lstStyle/>
+          <a:p>
+            <a:r>
+              <a:rPr lang="en-NZ" dirty="0" err="1"/>
+              <a:t>Inno</a:t>
+            </a:r>
+            <a:r>
+              <a:rPr lang="en-NZ" dirty="0"/>
+              <a:t> Setup</a:t>
+            </a:r>
+          </a:p>
+        </p:txBody>
+      </p:sp>
     </p:spTree>
     <p:extLst>
       <p:ext uri="{BB962C8B-B14F-4D97-AF65-F5344CB8AC3E}">
-        <p14:creationId xmlns:p14="http://schemas.microsoft.com/office/powerpoint/2010/main" val="1802978887"/>
+        <p14:creationId xmlns:p14="http://schemas.microsoft.com/office/powerpoint/2010/main" val="1792822450"/>
       </p:ext>
     </p:extLst>
   </p:cSld>
@@ -4588,10 +5636,10 @@
       </p:grpSpPr>
       <p:pic>
         <p:nvPicPr>
-          <p:cNvPr id="4" name="Picture 3">
-            <a:extLst>
-              <a:ext uri="{FF2B5EF4-FFF2-40B4-BE49-F238E27FC236}">
-                <a16:creationId xmlns:a16="http://schemas.microsoft.com/office/drawing/2014/main" id="{9E12C988-3B9B-47CE-AA8E-93A8FB42EC02}"/>
+          <p:cNvPr id="5" name="Picture 4">
+            <a:extLst>
+              <a:ext uri="{FF2B5EF4-FFF2-40B4-BE49-F238E27FC236}">
+                <a16:creationId xmlns:a16="http://schemas.microsoft.com/office/drawing/2014/main" id="{1EAA6F37-5ACC-4B18-AEB1-E9646446C219}"/>
               </a:ext>
             </a:extLst>
           </p:cNvPr>
@@ -4608,18 +5656,86 @@
         </p:blipFill>
         <p:spPr>
           <a:xfrm>
-            <a:off x="2767012" y="709612"/>
-            <a:ext cx="6657975" cy="5438775"/>
+            <a:off x="576797" y="313765"/>
+            <a:ext cx="11038405" cy="6544235"/>
           </a:xfrm>
           <a:prstGeom prst="rect">
             <a:avLst/>
           </a:prstGeom>
         </p:spPr>
       </p:pic>
+      <p:pic>
+        <p:nvPicPr>
+          <p:cNvPr id="2" name="Picture 1">
+            <a:extLst>
+              <a:ext uri="{FF2B5EF4-FFF2-40B4-BE49-F238E27FC236}">
+                <a16:creationId xmlns:a16="http://schemas.microsoft.com/office/drawing/2014/main" id="{85E4CD3E-0F79-4360-9D5C-DB67A32E71B0}"/>
+              </a:ext>
+            </a:extLst>
+          </p:cNvPr>
+          <p:cNvPicPr>
+            <a:picLocks noChangeAspect="1"/>
+          </p:cNvPicPr>
+          <p:nvPr/>
+        </p:nvPicPr>
+        <p:blipFill rotWithShape="1">
+          <a:blip r:embed="rId3"/>
+          <a:srcRect t="23656"/>
+          <a:stretch/>
+        </p:blipFill>
+        <p:spPr>
+          <a:xfrm>
+            <a:off x="576797" y="0"/>
+            <a:ext cx="1000125" cy="318247"/>
+          </a:xfrm>
+          <a:prstGeom prst="rect">
+            <a:avLst/>
+          </a:prstGeom>
+        </p:spPr>
+      </p:pic>
+      <p:sp>
+        <p:nvSpPr>
+          <p:cNvPr id="4" name="TextBox 3">
+            <a:extLst>
+              <a:ext uri="{FF2B5EF4-FFF2-40B4-BE49-F238E27FC236}">
+                <a16:creationId xmlns:a16="http://schemas.microsoft.com/office/drawing/2014/main" id="{EB85926A-F432-47D2-8065-8BC3AF151BB7}"/>
+              </a:ext>
+            </a:extLst>
+          </p:cNvPr>
+          <p:cNvSpPr txBox="1"/>
+          <p:nvPr/>
+        </p:nvSpPr>
+        <p:spPr>
+          <a:xfrm>
+            <a:off x="5022214" y="-55567"/>
+            <a:ext cx="1391920" cy="369332"/>
+          </a:xfrm>
+          <a:prstGeom prst="rect">
+            <a:avLst/>
+          </a:prstGeom>
+          <a:noFill/>
+        </p:spPr>
+        <p:txBody>
+          <a:bodyPr wrap="square" rtlCol="0">
+            <a:spAutoFit/>
+          </a:bodyPr>
+          <a:lstStyle/>
+          <a:p>
+            <a:r>
+              <a:rPr lang="en-NZ" dirty="0" err="1"/>
+              <a:t>Inno</a:t>
+            </a:r>
+            <a:r>
+              <a:rPr lang="en-NZ" dirty="0"/>
+              <a:t> Setup</a:t>
+            </a:r>
+          </a:p>
+        </p:txBody>
+      </p:sp>
     </p:spTree>
     <p:extLst>
       <p:ext uri="{BB962C8B-B14F-4D97-AF65-F5344CB8AC3E}">
-        <p14:creationId xmlns:p14="http://schemas.microsoft.com/office/powerpoint/2010/main" val="3013964821"/>
+        <p14:creationId xmlns:p14="http://schemas.microsoft.com/office/powerpoint/2010/main" val="1761762488"/>
       </p:ext>
     </p:extLst>
   </p:cSld>
@@ -4648,10 +5764,10 @@
       </p:grpSpPr>
       <p:pic>
         <p:nvPicPr>
-          <p:cNvPr id="4" name="Picture 3">
-            <a:extLst>
-              <a:ext uri="{FF2B5EF4-FFF2-40B4-BE49-F238E27FC236}">
-                <a16:creationId xmlns:a16="http://schemas.microsoft.com/office/drawing/2014/main" id="{86C5D41F-9D43-477D-B0EA-DE9D77B2848C}"/>
+          <p:cNvPr id="5" name="Picture 4">
+            <a:extLst>
+              <a:ext uri="{FF2B5EF4-FFF2-40B4-BE49-F238E27FC236}">
+                <a16:creationId xmlns:a16="http://schemas.microsoft.com/office/drawing/2014/main" id="{97115B82-2B7F-453A-B4BE-370A7837FB23}"/>
               </a:ext>
             </a:extLst>
           </p:cNvPr>
@@ -4668,48 +5784,57 @@
         </p:blipFill>
         <p:spPr>
           <a:xfrm>
-            <a:off x="4457700" y="1404658"/>
-            <a:ext cx="3276600" cy="857250"/>
+            <a:off x="0" y="130743"/>
+            <a:ext cx="12192000" cy="6596514"/>
           </a:xfrm>
           <a:prstGeom prst="rect">
             <a:avLst/>
           </a:prstGeom>
         </p:spPr>
       </p:pic>
-      <p:pic>
-        <p:nvPicPr>
-          <p:cNvPr id="5" name="Picture 4">
-            <a:extLst>
-              <a:ext uri="{FF2B5EF4-FFF2-40B4-BE49-F238E27FC236}">
-                <a16:creationId xmlns:a16="http://schemas.microsoft.com/office/drawing/2014/main" id="{25051384-CBE1-4846-9B53-6D9C5AE8EBD7}"/>
-              </a:ext>
-            </a:extLst>
-          </p:cNvPr>
-          <p:cNvPicPr>
-            <a:picLocks noChangeAspect="1"/>
-          </p:cNvPicPr>
+      <p:sp>
+        <p:nvSpPr>
+          <p:cNvPr id="3" name="TextBox 2">
+            <a:extLst>
+              <a:ext uri="{FF2B5EF4-FFF2-40B4-BE49-F238E27FC236}">
+                <a16:creationId xmlns:a16="http://schemas.microsoft.com/office/drawing/2014/main" id="{FACEC9F6-EA86-4E7B-9BE1-5B987EC3872B}"/>
+              </a:ext>
+            </a:extLst>
+          </p:cNvPr>
+          <p:cNvSpPr txBox="1"/>
           <p:nvPr/>
-        </p:nvPicPr>
-        <p:blipFill>
-          <a:blip r:embed="rId3"/>
-          <a:stretch>
-            <a:fillRect/>
-          </a:stretch>
-        </p:blipFill>
-        <p:spPr>
-          <a:xfrm>
-            <a:off x="1957387" y="2968439"/>
-            <a:ext cx="8277225" cy="1333500"/>
+        </p:nvSpPr>
+        <p:spPr>
+          <a:xfrm>
+            <a:off x="4951094" y="130743"/>
+            <a:ext cx="1391920" cy="369332"/>
           </a:xfrm>
           <a:prstGeom prst="rect">
             <a:avLst/>
           </a:prstGeom>
-        </p:spPr>
-      </p:pic>
+          <a:noFill/>
+        </p:spPr>
+        <p:txBody>
+          <a:bodyPr wrap="square" rtlCol="0">
+            <a:spAutoFit/>
+          </a:bodyPr>
+          <a:lstStyle/>
+          <a:p>
+            <a:r>
+              <a:rPr lang="en-NZ" dirty="0" err="1"/>
+              <a:t>Inno</a:t>
+            </a:r>
+            <a:r>
+              <a:rPr lang="en-NZ" dirty="0"/>
+              <a:t> Setup</a:t>
+            </a:r>
+          </a:p>
+        </p:txBody>
+      </p:sp>
     </p:spTree>
     <p:extLst>
       <p:ext uri="{BB962C8B-B14F-4D97-AF65-F5344CB8AC3E}">
-        <p14:creationId xmlns:p14="http://schemas.microsoft.com/office/powerpoint/2010/main" val="3175762822"/>
+        <p14:creationId xmlns:p14="http://schemas.microsoft.com/office/powerpoint/2010/main" val="2107963942"/>
       </p:ext>
     </p:extLst>
   </p:cSld>
